--- a/docs/Conference Docs/Kansas City Poster.pptx
+++ b/docs/Conference Docs/Kansas City Poster.pptx
@@ -926,7 +926,7 @@
           <a:p>
             <a:fld id="{ECA9B2D0-E24D-4878-BF4D-5335FE977CF7}" type="datetimeFigureOut">
               <a:rPr lang="en-US" smtClean="0"/>
-              <a:t>9/19/2022</a:t>
+              <a:t>9/20/2022</a:t>
             </a:fld>
             <a:endParaRPr lang="en-US"/>
           </a:p>
@@ -1096,7 +1096,7 @@
           <a:p>
             <a:fld id="{ECA9B2D0-E24D-4878-BF4D-5335FE977CF7}" type="datetimeFigureOut">
               <a:rPr lang="en-US" smtClean="0"/>
-              <a:t>9/19/2022</a:t>
+              <a:t>9/20/2022</a:t>
             </a:fld>
             <a:endParaRPr lang="en-US"/>
           </a:p>
@@ -1276,7 +1276,7 @@
           <a:p>
             <a:fld id="{ECA9B2D0-E24D-4878-BF4D-5335FE977CF7}" type="datetimeFigureOut">
               <a:rPr lang="en-US" smtClean="0"/>
-              <a:t>9/19/2022</a:t>
+              <a:t>9/20/2022</a:t>
             </a:fld>
             <a:endParaRPr lang="en-US"/>
           </a:p>
@@ -1446,7 +1446,7 @@
           <a:p>
             <a:fld id="{ECA9B2D0-E24D-4878-BF4D-5335FE977CF7}" type="datetimeFigureOut">
               <a:rPr lang="en-US" smtClean="0"/>
-              <a:t>9/19/2022</a:t>
+              <a:t>9/20/2022</a:t>
             </a:fld>
             <a:endParaRPr lang="en-US"/>
           </a:p>
@@ -1690,7 +1690,7 @@
           <a:p>
             <a:fld id="{ECA9B2D0-E24D-4878-BF4D-5335FE977CF7}" type="datetimeFigureOut">
               <a:rPr lang="en-US" smtClean="0"/>
-              <a:t>9/19/2022</a:t>
+              <a:t>9/20/2022</a:t>
             </a:fld>
             <a:endParaRPr lang="en-US"/>
           </a:p>
@@ -1922,7 +1922,7 @@
           <a:p>
             <a:fld id="{ECA9B2D0-E24D-4878-BF4D-5335FE977CF7}" type="datetimeFigureOut">
               <a:rPr lang="en-US" smtClean="0"/>
-              <a:t>9/19/2022</a:t>
+              <a:t>9/20/2022</a:t>
             </a:fld>
             <a:endParaRPr lang="en-US"/>
           </a:p>
@@ -2289,7 +2289,7 @@
           <a:p>
             <a:fld id="{ECA9B2D0-E24D-4878-BF4D-5335FE977CF7}" type="datetimeFigureOut">
               <a:rPr lang="en-US" smtClean="0"/>
-              <a:t>9/19/2022</a:t>
+              <a:t>9/20/2022</a:t>
             </a:fld>
             <a:endParaRPr lang="en-US"/>
           </a:p>
@@ -2407,7 +2407,7 @@
           <a:p>
             <a:fld id="{ECA9B2D0-E24D-4878-BF4D-5335FE977CF7}" type="datetimeFigureOut">
               <a:rPr lang="en-US" smtClean="0"/>
-              <a:t>9/19/2022</a:t>
+              <a:t>9/20/2022</a:t>
             </a:fld>
             <a:endParaRPr lang="en-US"/>
           </a:p>
@@ -2502,7 +2502,7 @@
           <a:p>
             <a:fld id="{ECA9B2D0-E24D-4878-BF4D-5335FE977CF7}" type="datetimeFigureOut">
               <a:rPr lang="en-US" smtClean="0"/>
-              <a:t>9/19/2022</a:t>
+              <a:t>9/20/2022</a:t>
             </a:fld>
             <a:endParaRPr lang="en-US"/>
           </a:p>
@@ -2779,7 +2779,7 @@
           <a:p>
             <a:fld id="{ECA9B2D0-E24D-4878-BF4D-5335FE977CF7}" type="datetimeFigureOut">
               <a:rPr lang="en-US" smtClean="0"/>
-              <a:t>9/19/2022</a:t>
+              <a:t>9/20/2022</a:t>
             </a:fld>
             <a:endParaRPr lang="en-US"/>
           </a:p>
@@ -3036,7 +3036,7 @@
           <a:p>
             <a:fld id="{ECA9B2D0-E24D-4878-BF4D-5335FE977CF7}" type="datetimeFigureOut">
               <a:rPr lang="en-US" smtClean="0"/>
-              <a:t>9/19/2022</a:t>
+              <a:t>9/20/2022</a:t>
             </a:fld>
             <a:endParaRPr lang="en-US"/>
           </a:p>
@@ -3249,7 +3249,7 @@
           <a:p>
             <a:fld id="{ECA9B2D0-E24D-4878-BF4D-5335FE977CF7}" type="datetimeFigureOut">
               <a:rPr lang="en-US" smtClean="0"/>
-              <a:t>9/19/2022</a:t>
+              <a:t>9/20/2022</a:t>
             </a:fld>
             <a:endParaRPr lang="en-US"/>
           </a:p>
@@ -3702,7 +3702,7 @@
         </p:nvGrpSpPr>
         <p:grpSpPr>
           <a:xfrm>
-            <a:off x="694912" y="18364367"/>
+            <a:off x="21836697" y="8026222"/>
             <a:ext cx="10156080" cy="2748908"/>
             <a:chOff x="536895" y="1115737"/>
             <a:chExt cx="4647501" cy="1649682"/>
@@ -3870,8 +3870,8 @@
         </p:nvGrpSpPr>
         <p:grpSpPr>
           <a:xfrm>
-            <a:off x="759842" y="4809469"/>
-            <a:ext cx="10156077" cy="5819473"/>
+            <a:off x="907442" y="4969284"/>
+            <a:ext cx="10191804" cy="5819473"/>
             <a:chOff x="550845" y="1241472"/>
             <a:chExt cx="4647501" cy="1829690"/>
           </a:xfrm>
@@ -4002,8 +4002,8 @@
         </p:nvGrpSpPr>
         <p:grpSpPr>
           <a:xfrm>
-            <a:off x="21347111" y="10203775"/>
-            <a:ext cx="10511311" cy="2671164"/>
+            <a:off x="10366360" y="17301733"/>
+            <a:ext cx="10511311" cy="3991929"/>
             <a:chOff x="536895" y="1115737"/>
             <a:chExt cx="4647501" cy="1649682"/>
           </a:xfrm>
@@ -4071,7 +4071,7 @@
           <p:spPr>
             <a:xfrm>
               <a:off x="604007" y="1190030"/>
-              <a:ext cx="4479720" cy="1193264"/>
+              <a:ext cx="4479720" cy="1390849"/>
             </a:xfrm>
             <a:prstGeom prst="rect">
               <a:avLst/>
@@ -4118,7 +4118,23 @@
                   <a:latin typeface="Times New Roman" panose="02020603050405020304" pitchFamily="18" charset="0"/>
                   <a:cs typeface="Times New Roman" panose="02020603050405020304" pitchFamily="18" charset="0"/>
                 </a:rPr>
-                <a:t>Mask-RCNN can’t translate to a new perspective</a:t>
+                <a:t>Low quality images increase noise</a:t>
+              </a:r>
+            </a:p>
+            <a:p>
+              <a:pPr marL="920115" lvl="1" indent="-462915">
+                <a:lnSpc>
+                  <a:spcPct val="115000"/>
+                </a:lnSpc>
+                <a:buFontTx/>
+                <a:buChar char="-"/>
+              </a:pPr>
+              <a:r>
+                <a:rPr lang="en-US" sz="2700" dirty="0">
+                  <a:latin typeface="Times New Roman" panose="02020603050405020304" pitchFamily="18" charset="0"/>
+                  <a:cs typeface="Times New Roman" panose="02020603050405020304" pitchFamily="18" charset="0"/>
+                </a:rPr>
+                <a:t>Solution: Minimum 1080p</a:t>
               </a:r>
             </a:p>
             <a:p>
@@ -4134,7 +4150,23 @@
                   <a:latin typeface="Times New Roman" panose="02020603050405020304" pitchFamily="18" charset="0"/>
                   <a:cs typeface="Times New Roman" panose="02020603050405020304" pitchFamily="18" charset="0"/>
                 </a:rPr>
-                <a:t>Low quality images cause noise</a:t>
+                <a:t>Overfit algorithm</a:t>
+              </a:r>
+            </a:p>
+            <a:p>
+              <a:pPr marL="920115" lvl="1" indent="-462915">
+                <a:lnSpc>
+                  <a:spcPct val="115000"/>
+                </a:lnSpc>
+                <a:buFontTx/>
+                <a:buChar char="-"/>
+              </a:pPr>
+              <a:r>
+                <a:rPr lang="en-US" sz="2700" dirty="0">
+                  <a:latin typeface="Times New Roman" panose="02020603050405020304" pitchFamily="18" charset="0"/>
+                  <a:cs typeface="Times New Roman" panose="02020603050405020304" pitchFamily="18" charset="0"/>
+                </a:rPr>
+                <a:t>Solution: Collect a diverse set of images</a:t>
               </a:r>
             </a:p>
             <a:p>
@@ -4151,6 +4183,22 @@
                   <a:cs typeface="Times New Roman" panose="02020603050405020304" pitchFamily="18" charset="0"/>
                 </a:rPr>
                 <a:t>New backgrounds causing lots of false positives</a:t>
+              </a:r>
+            </a:p>
+            <a:p>
+              <a:pPr marL="920115" lvl="1" indent="-462915">
+                <a:lnSpc>
+                  <a:spcPct val="115000"/>
+                </a:lnSpc>
+                <a:buFontTx/>
+                <a:buChar char="-"/>
+              </a:pPr>
+              <a:r>
+                <a:rPr lang="en-US" sz="2700" dirty="0">
+                  <a:latin typeface="Times New Roman" panose="02020603050405020304" pitchFamily="18" charset="0"/>
+                  <a:cs typeface="Times New Roman" panose="02020603050405020304" pitchFamily="18" charset="0"/>
+                </a:rPr>
+                <a:t>Solution: Add a new category ‘not trash’ with pictures of cars</a:t>
               </a:r>
             </a:p>
           </p:txBody>
@@ -4170,7 +4218,7 @@
         </p:nvGrpSpPr>
         <p:grpSpPr>
           <a:xfrm>
-            <a:off x="21218690" y="17172532"/>
+            <a:off x="21541370" y="17454174"/>
             <a:ext cx="10511308" cy="3800542"/>
             <a:chOff x="536895" y="1115737"/>
             <a:chExt cx="4647501" cy="1649682"/>
@@ -4342,8 +4390,8 @@
         </p:nvGrpSpPr>
         <p:grpSpPr>
           <a:xfrm>
-            <a:off x="759842" y="11152991"/>
-            <a:ext cx="10191803" cy="4219874"/>
+            <a:off x="11517380" y="5002606"/>
+            <a:ext cx="9360291" cy="3962338"/>
             <a:chOff x="536895" y="1115737"/>
             <a:chExt cx="4647501" cy="1649682"/>
           </a:xfrm>
@@ -4411,7 +4459,7 @@
           <p:spPr>
             <a:xfrm>
               <a:off x="673758" y="1202167"/>
-              <a:ext cx="4479722" cy="1315720"/>
+              <a:ext cx="4479722" cy="1401236"/>
             </a:xfrm>
             <a:prstGeom prst="rect">
               <a:avLst/>
@@ -4433,13 +4481,18 @@
                 </a:spcBef>
               </a:pPr>
               <a:r>
-                <a:rPr lang="en-US" sz="2700" b="1" kern="0" dirty="0">
+                <a:rPr lang="en-US" sz="2700" b="1" kern="0">
                   <a:latin typeface="Times New Roman" panose="02020603050405020304" pitchFamily="18" charset="0"/>
                   <a:ea typeface="Yu Gothic Light" panose="020B0300000000000000" pitchFamily="34" charset="-128"/>
                   <a:cs typeface="Times New Roman" panose="02020603050405020304" pitchFamily="18" charset="0"/>
                 </a:rPr>
-                <a:t>Introduction</a:t>
+                <a:t>Problem</a:t>
               </a:r>
+              <a:endParaRPr lang="en-US" sz="2700" b="1" kern="0" dirty="0">
+                <a:latin typeface="Times New Roman" panose="02020603050405020304" pitchFamily="18" charset="0"/>
+                <a:ea typeface="Yu Gothic Light" panose="020B0300000000000000" pitchFamily="34" charset="-128"/>
+                <a:cs typeface="Times New Roman" panose="02020603050405020304" pitchFamily="18" charset="0"/>
+              </a:endParaRPr>
             </a:p>
             <a:p>
               <a:pPr marL="462915" indent="-462915">
@@ -4677,7 +4730,7 @@
         </p:nvGrpSpPr>
         <p:grpSpPr>
           <a:xfrm>
-            <a:off x="21218687" y="13558970"/>
+            <a:off x="21541367" y="13835739"/>
             <a:ext cx="10511311" cy="2984734"/>
             <a:chOff x="536895" y="1115738"/>
             <a:chExt cx="4647501" cy="1548216"/>
@@ -4811,82 +4864,6 @@
           </p:txBody>
         </p:sp>
       </p:grpSp>
-      <p:sp>
-        <p:nvSpPr>
-          <p:cNvPr id="59" name="Rectangle 58">
-            <a:extLst>
-              <a:ext uri="{FF2B5EF4-FFF2-40B4-BE49-F238E27FC236}">
-                <a16:creationId xmlns:a16="http://schemas.microsoft.com/office/drawing/2014/main" id="{BBF440CC-8CCA-4A4D-BD2A-008992DE79B8}"/>
-              </a:ext>
-            </a:extLst>
-          </p:cNvPr>
-          <p:cNvSpPr/>
-          <p:nvPr/>
-        </p:nvSpPr>
-        <p:spPr>
-          <a:xfrm>
-            <a:off x="694912" y="15896914"/>
-            <a:ext cx="10191803" cy="1891250"/>
-          </a:xfrm>
-          <a:prstGeom prst="rect">
-            <a:avLst/>
-          </a:prstGeom>
-          <a:solidFill>
-            <a:schemeClr val="bg1"/>
-          </a:solidFill>
-        </p:spPr>
-        <p:style>
-          <a:lnRef idx="1">
-            <a:schemeClr val="accent6"/>
-          </a:lnRef>
-          <a:fillRef idx="2">
-            <a:schemeClr val="accent6"/>
-          </a:fillRef>
-          <a:effectRef idx="1">
-            <a:schemeClr val="accent6"/>
-          </a:effectRef>
-          <a:fontRef idx="minor">
-            <a:schemeClr val="dk1"/>
-          </a:fontRef>
-        </p:style>
-        <p:txBody>
-          <a:bodyPr rtlCol="0" anchor="ctr"/>
-          <a:lstStyle/>
-          <a:p>
-            <a:pPr algn="ctr">
-              <a:lnSpc>
-                <a:spcPct val="107000"/>
-              </a:lnSpc>
-              <a:spcBef>
-                <a:spcPts val="8748"/>
-              </a:spcBef>
-            </a:pPr>
-            <a:r>
-              <a:rPr lang="en-US" sz="2700" b="1" kern="0" dirty="0">
-                <a:latin typeface="Times New Roman" panose="02020603050405020304" pitchFamily="18" charset="0"/>
-                <a:ea typeface="Yu Gothic Light" panose="020B0300000000000000" pitchFamily="34" charset="-128"/>
-                <a:cs typeface="Times New Roman" panose="02020603050405020304" pitchFamily="18" charset="0"/>
-              </a:rPr>
-              <a:t>Research Question</a:t>
-            </a:r>
-          </a:p>
-          <a:p>
-            <a:pPr algn="ctr">
-              <a:lnSpc>
-                <a:spcPct val="115000"/>
-              </a:lnSpc>
-            </a:pPr>
-            <a:r>
-              <a:rPr lang="en-US" sz="2700" dirty="0">
-                <a:latin typeface="Times New Roman" panose="02020603050405020304" pitchFamily="18" charset="0"/>
-                <a:cs typeface="Arial" panose="020B0604020202020204" pitchFamily="34" charset="0"/>
-              </a:rPr>
-              <a:t>Can computer vision help identify new areas that need to be cleanup and measure how much waste is removed?</a:t>
-            </a:r>
-            <a:endParaRPr lang="en-US" sz="2700" dirty="0"/>
-          </a:p>
-        </p:txBody>
-      </p:sp>
       <p:grpSp>
         <p:nvGrpSpPr>
           <p:cNvPr id="4" name="Group 3">
@@ -4901,8 +4878,8 @@
         </p:nvGrpSpPr>
         <p:grpSpPr>
           <a:xfrm>
-            <a:off x="21364976" y="4782742"/>
-            <a:ext cx="10511311" cy="4644003"/>
+            <a:off x="582225" y="16621298"/>
+            <a:ext cx="9120436" cy="4644003"/>
             <a:chOff x="7898899" y="1137536"/>
             <a:chExt cx="3893078" cy="1541966"/>
           </a:xfrm>
@@ -5241,7 +5218,7 @@
                       <a:latin typeface="Times New Roman" panose="02020603050405020304" pitchFamily="18" charset="0"/>
                       <a:cs typeface="Times New Roman" panose="02020603050405020304" pitchFamily="18" charset="0"/>
                     </a:rPr>
-                    <a:t>Mapillary: Precision = 1% and recall = 3%</a:t>
+                    <a:t>Smart Phone Images: Precision = 81% and recall = 74%</a:t>
                   </a:r>
                 </a:p>
                 <a:p>
@@ -5255,7 +5232,7 @@
                       <a:latin typeface="Times New Roman" panose="02020603050405020304" pitchFamily="18" charset="0"/>
                       <a:cs typeface="Times New Roman" panose="02020603050405020304" pitchFamily="18" charset="0"/>
                     </a:rPr>
-                    <a:t>Clean Up Images: Precision = 81% and recall = 74%</a:t>
+                    <a:t>Mapillary: Precision = 1% and recall = 3%</a:t>
                   </a:r>
                 </a:p>
               </p:txBody>
@@ -5379,8 +5356,8 @@
         </p:blipFill>
         <p:spPr>
           <a:xfrm>
-            <a:off x="14410345" y="12379815"/>
-            <a:ext cx="3186875" cy="3251969"/>
+            <a:off x="10512305" y="12346049"/>
+            <a:ext cx="2506936" cy="2558142"/>
           </a:xfrm>
           <a:prstGeom prst="rect">
             <a:avLst/>
@@ -5414,8 +5391,8 @@
         </p:blipFill>
         <p:spPr>
           <a:xfrm>
-            <a:off x="14869233" y="8656629"/>
-            <a:ext cx="2334080" cy="3094292"/>
+            <a:off x="7041568" y="12408067"/>
+            <a:ext cx="1836090" cy="2434106"/>
           </a:xfrm>
           <a:prstGeom prst="rect">
             <a:avLst/>
@@ -5438,15 +5415,15 @@
           </p:cNvPr>
           <p:cNvCxnSpPr>
             <a:cxnSpLocks/>
-            <a:stCxn id="55" idx="2"/>
-            <a:endCxn id="54" idx="0"/>
+            <a:stCxn id="55" idx="3"/>
+            <a:endCxn id="54" idx="1"/>
           </p:cNvCxnSpPr>
           <p:nvPr/>
         </p:nvCxnSpPr>
         <p:spPr>
-          <a:xfrm flipH="1">
-            <a:off x="16003783" y="11750921"/>
-            <a:ext cx="32490" cy="628894"/>
+          <a:xfrm>
+            <a:off x="8877658" y="13625120"/>
+            <a:ext cx="1634647" cy="0"/>
           </a:xfrm>
           <a:prstGeom prst="straightConnector1">
             <a:avLst/>
@@ -5483,15 +5460,15 @@
           </p:cNvPr>
           <p:cNvCxnSpPr>
             <a:cxnSpLocks/>
-            <a:stCxn id="54" idx="2"/>
-            <a:endCxn id="77" idx="0"/>
+            <a:stCxn id="54" idx="3"/>
+            <a:endCxn id="77" idx="1"/>
           </p:cNvCxnSpPr>
           <p:nvPr/>
         </p:nvCxnSpPr>
         <p:spPr>
-          <a:xfrm flipH="1">
-            <a:off x="13794335" y="15631784"/>
-            <a:ext cx="2209448" cy="1069328"/>
+          <a:xfrm flipV="1">
+            <a:off x="13019241" y="13017779"/>
+            <a:ext cx="1186710" cy="607341"/>
           </a:xfrm>
           <a:prstGeom prst="straightConnector1">
             <a:avLst/>
@@ -5519,10 +5496,10 @@
       </p:cxnSp>
       <p:pic>
         <p:nvPicPr>
-          <p:cNvPr id="77" name="Picture 76">
+          <p:cNvPr id="78" name="Picture 77">
             <a:extLst>
               <a:ext uri="{FF2B5EF4-FFF2-40B4-BE49-F238E27FC236}">
-                <a16:creationId xmlns:a16="http://schemas.microsoft.com/office/drawing/2014/main" id="{DF40BEE5-C850-4957-B218-2BA9702B8D2F}"/>
+                <a16:creationId xmlns:a16="http://schemas.microsoft.com/office/drawing/2014/main" id="{831F6AD0-73B0-4623-BF6F-CC653E827802}"/>
               </a:ext>
             </a:extLst>
           </p:cNvPr>
@@ -5539,53 +5516,13 @@
               </a:ext>
             </a:extLst>
           </a:blip>
-          <a:srcRect l="901" r="901"/>
-          <a:stretch/>
-        </p:blipFill>
-        <p:spPr>
-          <a:xfrm>
-            <a:off x="12128469" y="16701112"/>
-            <a:ext cx="3331732" cy="3397685"/>
-          </a:xfrm>
-          <a:prstGeom prst="rect">
-            <a:avLst/>
-          </a:prstGeom>
-          <a:ln w="28575">
-            <a:solidFill>
-              <a:schemeClr val="accent6"/>
-            </a:solidFill>
-          </a:ln>
-        </p:spPr>
-      </p:pic>
-      <p:pic>
-        <p:nvPicPr>
-          <p:cNvPr id="78" name="Picture 77">
-            <a:extLst>
-              <a:ext uri="{FF2B5EF4-FFF2-40B4-BE49-F238E27FC236}">
-                <a16:creationId xmlns:a16="http://schemas.microsoft.com/office/drawing/2014/main" id="{831F6AD0-73B0-4623-BF6F-CC653E827802}"/>
-              </a:ext>
-            </a:extLst>
-          </p:cNvPr>
-          <p:cNvPicPr>
-            <a:picLocks noChangeAspect="1"/>
-          </p:cNvPicPr>
-          <p:nvPr/>
-        </p:nvPicPr>
-        <p:blipFill>
-          <a:blip r:embed="rId8">
-            <a:extLst>
-              <a:ext uri="{28A0092B-C50C-407E-A947-70E740481C1C}">
-                <a14:useLocalDpi xmlns:a14="http://schemas.microsoft.com/office/drawing/2010/main" val="0"/>
-              </a:ext>
-            </a:extLst>
-          </a:blip>
           <a:srcRect/>
           <a:stretch/>
         </p:blipFill>
         <p:spPr>
           <a:xfrm>
-            <a:off x="16478421" y="4771588"/>
-            <a:ext cx="4086312" cy="2763499"/>
+            <a:off x="2091726" y="11187459"/>
+            <a:ext cx="3214473" cy="2173890"/>
           </a:xfrm>
           <a:prstGeom prst="rect">
             <a:avLst/>
@@ -5608,15 +5545,15 @@
           </p:cNvPr>
           <p:cNvCxnSpPr>
             <a:cxnSpLocks/>
-            <a:stCxn id="78" idx="2"/>
-            <a:endCxn id="55" idx="0"/>
+            <a:stCxn id="78" idx="3"/>
+            <a:endCxn id="55" idx="1"/>
           </p:cNvCxnSpPr>
           <p:nvPr/>
         </p:nvCxnSpPr>
         <p:spPr>
-          <a:xfrm flipH="1">
-            <a:off x="16036273" y="7535087"/>
-            <a:ext cx="2485304" cy="1121542"/>
+          <a:xfrm>
+            <a:off x="5306199" y="12274404"/>
+            <a:ext cx="1735369" cy="1350716"/>
           </a:xfrm>
           <a:prstGeom prst="straightConnector1">
             <a:avLst/>
@@ -5657,15 +5594,15 @@
           <p:nvPr/>
         </p:nvPicPr>
         <p:blipFill>
-          <a:blip r:embed="rId9"/>
+          <a:blip r:embed="rId8"/>
           <a:stretch>
             <a:fillRect/>
           </a:stretch>
         </p:blipFill>
         <p:spPr>
           <a:xfrm>
-            <a:off x="11499454" y="4803678"/>
-            <a:ext cx="4086315" cy="2786125"/>
+            <a:off x="1990638" y="13931306"/>
+            <a:ext cx="3214475" cy="2191688"/>
           </a:xfrm>
           <a:prstGeom prst="rect">
             <a:avLst/>
@@ -5688,15 +5625,15 @@
           </p:cNvPr>
           <p:cNvCxnSpPr>
             <a:cxnSpLocks/>
-            <a:stCxn id="83" idx="2"/>
-            <a:endCxn id="55" idx="0"/>
+            <a:stCxn id="83" idx="3"/>
+            <a:endCxn id="55" idx="1"/>
           </p:cNvCxnSpPr>
           <p:nvPr/>
         </p:nvCxnSpPr>
         <p:spPr>
-          <a:xfrm>
-            <a:off x="13542612" y="7589803"/>
-            <a:ext cx="2493661" cy="1066826"/>
+          <a:xfrm flipV="1">
+            <a:off x="5205113" y="13625120"/>
+            <a:ext cx="1836455" cy="1402030"/>
           </a:xfrm>
           <a:prstGeom prst="straightConnector1">
             <a:avLst/>
@@ -5722,92 +5659,247 @@
           </a:fontRef>
         </p:style>
       </p:cxnSp>
-      <p:pic>
-        <p:nvPicPr>
-          <p:cNvPr id="86" name="Picture 85" descr="A picture containing graphical user interface&#10;&#10;Description automatically generated">
+      <p:grpSp>
+        <p:nvGrpSpPr>
+          <p:cNvPr id="45" name="Group 44">
             <a:extLst>
               <a:ext uri="{FF2B5EF4-FFF2-40B4-BE49-F238E27FC236}">
-                <a16:creationId xmlns:a16="http://schemas.microsoft.com/office/drawing/2014/main" id="{09236D8F-371D-414C-BF19-5AA4C13BB9FF}"/>
+                <a16:creationId xmlns:a16="http://schemas.microsoft.com/office/drawing/2014/main" id="{A8868FFA-AB96-4A41-A7B5-E4AF7C6264D3}"/>
               </a:ext>
             </a:extLst>
           </p:cNvPr>
-          <p:cNvPicPr>
-            <a:picLocks noChangeAspect="1"/>
-          </p:cNvPicPr>
+          <p:cNvGrpSpPr/>
           <p:nvPr/>
-        </p:nvPicPr>
-        <p:blipFill>
-          <a:blip r:embed="rId10">
-            <a:extLst>
-              <a:ext uri="{28A0092B-C50C-407E-A947-70E740481C1C}">
-                <a14:useLocalDpi xmlns:a14="http://schemas.microsoft.com/office/drawing/2010/main" val="0"/>
-              </a:ext>
-            </a:extLst>
-          </a:blip>
-          <a:stretch>
-            <a:fillRect/>
-          </a:stretch>
-        </p:blipFill>
-        <p:spPr>
+        </p:nvGrpSpPr>
+        <p:grpSpPr>
           <a:xfrm>
-            <a:off x="16819157" y="16730006"/>
-            <a:ext cx="3186875" cy="3339898"/>
+            <a:off x="14205951" y="10108042"/>
+            <a:ext cx="6444036" cy="5819473"/>
+            <a:chOff x="15802203" y="10972800"/>
+            <a:chExt cx="4878259" cy="4974827"/>
           </a:xfrm>
-          <a:prstGeom prst="rect">
-            <a:avLst/>
-          </a:prstGeom>
-          <a:ln w="28575">
-            <a:solidFill>
-              <a:schemeClr val="accent6"/>
-            </a:solidFill>
-          </a:ln>
-        </p:spPr>
-      </p:pic>
-      <p:cxnSp>
-        <p:nvCxnSpPr>
-          <p:cNvPr id="87" name="Straight Arrow Connector 86">
+        </p:grpSpPr>
+        <p:pic>
+          <p:nvPicPr>
+            <p:cNvPr id="77" name="Picture 76">
+              <a:extLst>
+                <a:ext uri="{FF2B5EF4-FFF2-40B4-BE49-F238E27FC236}">
+                  <a16:creationId xmlns:a16="http://schemas.microsoft.com/office/drawing/2014/main" id="{DF40BEE5-C850-4957-B218-2BA9702B8D2F}"/>
+                </a:ext>
+              </a:extLst>
+            </p:cNvPr>
+            <p:cNvPicPr>
+              <a:picLocks noChangeAspect="1"/>
+            </p:cNvPicPr>
+            <p:nvPr/>
+          </p:nvPicPr>
+          <p:blipFill>
+            <a:blip r:embed="rId9">
+              <a:extLst>
+                <a:ext uri="{28A0092B-C50C-407E-A947-70E740481C1C}">
+                  <a14:useLocalDpi xmlns:a14="http://schemas.microsoft.com/office/drawing/2010/main" val="0"/>
+                </a:ext>
+              </a:extLst>
+            </a:blip>
+            <a:srcRect l="901" r="901"/>
+            <a:stretch/>
+          </p:blipFill>
+          <p:spPr>
+            <a:xfrm>
+              <a:off x="15802203" y="10972800"/>
+              <a:ext cx="4878259" cy="4974827"/>
+            </a:xfrm>
+            <a:prstGeom prst="rect">
+              <a:avLst/>
+            </a:prstGeom>
+            <a:ln w="28575">
+              <a:solidFill>
+                <a:schemeClr val="accent6"/>
+              </a:solidFill>
+            </a:ln>
+          </p:spPr>
+        </p:pic>
+        <p:pic>
+          <p:nvPicPr>
+            <p:cNvPr id="86" name="Picture 85" descr="A picture containing graphical user interface&#10;&#10;Description automatically generated">
+              <a:extLst>
+                <a:ext uri="{FF2B5EF4-FFF2-40B4-BE49-F238E27FC236}">
+                  <a16:creationId xmlns:a16="http://schemas.microsoft.com/office/drawing/2014/main" id="{09236D8F-371D-414C-BF19-5AA4C13BB9FF}"/>
+                </a:ext>
+              </a:extLst>
+            </p:cNvPr>
+            <p:cNvPicPr>
+              <a:picLocks noChangeAspect="1"/>
+            </p:cNvPicPr>
+            <p:nvPr/>
+          </p:nvPicPr>
+          <p:blipFill>
+            <a:blip r:embed="rId10">
+              <a:extLst>
+                <a:ext uri="{28A0092B-C50C-407E-A947-70E740481C1C}">
+                  <a14:useLocalDpi xmlns:a14="http://schemas.microsoft.com/office/drawing/2010/main" val="0"/>
+                </a:ext>
+              </a:extLst>
+            </a:blip>
+            <a:stretch>
+              <a:fillRect/>
+            </a:stretch>
+          </p:blipFill>
+          <p:spPr>
+            <a:xfrm>
+              <a:off x="18173526" y="10972800"/>
+              <a:ext cx="2506936" cy="2627311"/>
+            </a:xfrm>
+            <a:prstGeom prst="rect">
+              <a:avLst/>
+            </a:prstGeom>
+            <a:ln w="28575">
+              <a:solidFill>
+                <a:schemeClr val="accent6"/>
+              </a:solidFill>
+            </a:ln>
+          </p:spPr>
+        </p:pic>
+      </p:grpSp>
+      <p:grpSp>
+        <p:nvGrpSpPr>
+          <p:cNvPr id="66" name="Group 65">
             <a:extLst>
               <a:ext uri="{FF2B5EF4-FFF2-40B4-BE49-F238E27FC236}">
-                <a16:creationId xmlns:a16="http://schemas.microsoft.com/office/drawing/2014/main" id="{97E5434D-C0ED-40BC-9240-E271787D375A}"/>
+                <a16:creationId xmlns:a16="http://schemas.microsoft.com/office/drawing/2014/main" id="{A54D6904-55FB-4887-B05B-D3205108F76F}"/>
               </a:ext>
             </a:extLst>
           </p:cNvPr>
-          <p:cNvCxnSpPr>
-            <a:cxnSpLocks/>
-            <a:stCxn id="54" idx="2"/>
-            <a:endCxn id="86" idx="0"/>
-          </p:cNvCxnSpPr>
+          <p:cNvGrpSpPr/>
           <p:nvPr/>
-        </p:nvCxnSpPr>
-        <p:spPr>
+        </p:nvGrpSpPr>
+        <p:grpSpPr>
           <a:xfrm>
-            <a:off x="16003783" y="15631784"/>
-            <a:ext cx="2408812" cy="1098222"/>
+            <a:off x="21701120" y="5120463"/>
+            <a:ext cx="10191803" cy="2322808"/>
+            <a:chOff x="21701120" y="5120463"/>
+            <a:chExt cx="10191803" cy="2322808"/>
           </a:xfrm>
-          <a:prstGeom prst="straightConnector1">
-            <a:avLst/>
-          </a:prstGeom>
-          <a:ln>
-            <a:headEnd type="none" w="med" len="med"/>
-            <a:tailEnd type="arrow" w="med" len="med"/>
-          </a:ln>
-          <a:effectLst/>
-        </p:spPr>
-        <p:style>
-          <a:lnRef idx="3">
-            <a:schemeClr val="dk1"/>
-          </a:lnRef>
-          <a:fillRef idx="0">
-            <a:schemeClr val="dk1"/>
-          </a:fillRef>
-          <a:effectRef idx="2">
-            <a:schemeClr val="dk1"/>
-          </a:effectRef>
-          <a:fontRef idx="minor">
-            <a:schemeClr val="tx1"/>
-          </a:fontRef>
-        </p:style>
-      </p:cxnSp>
+        </p:grpSpPr>
+        <p:sp>
+          <p:nvSpPr>
+            <p:cNvPr id="59" name="Rectangle 58">
+              <a:extLst>
+                <a:ext uri="{FF2B5EF4-FFF2-40B4-BE49-F238E27FC236}">
+                  <a16:creationId xmlns:a16="http://schemas.microsoft.com/office/drawing/2014/main" id="{BBF440CC-8CCA-4A4D-BD2A-008992DE79B8}"/>
+                </a:ext>
+              </a:extLst>
+            </p:cNvPr>
+            <p:cNvSpPr/>
+            <p:nvPr/>
+          </p:nvSpPr>
+          <p:spPr>
+            <a:xfrm>
+              <a:off x="21701120" y="5120463"/>
+              <a:ext cx="10191803" cy="2322808"/>
+            </a:xfrm>
+            <a:prstGeom prst="rect">
+              <a:avLst/>
+            </a:prstGeom>
+            <a:solidFill>
+              <a:schemeClr val="bg1"/>
+            </a:solidFill>
+          </p:spPr>
+          <p:style>
+            <a:lnRef idx="1">
+              <a:schemeClr val="accent6"/>
+            </a:lnRef>
+            <a:fillRef idx="2">
+              <a:schemeClr val="accent6"/>
+            </a:fillRef>
+            <a:effectRef idx="1">
+              <a:schemeClr val="accent6"/>
+            </a:effectRef>
+            <a:fontRef idx="minor">
+              <a:schemeClr val="dk1"/>
+            </a:fontRef>
+          </p:style>
+          <p:txBody>
+            <a:bodyPr rtlCol="0" anchor="ctr"/>
+            <a:lstStyle/>
+            <a:p>
+              <a:pPr algn="ctr">
+                <a:lnSpc>
+                  <a:spcPct val="107000"/>
+                </a:lnSpc>
+                <a:spcBef>
+                  <a:spcPts val="8748"/>
+                </a:spcBef>
+              </a:pPr>
+              <a:endParaRPr lang="en-US" sz="2700" dirty="0"/>
+            </a:p>
+          </p:txBody>
+        </p:sp>
+        <p:sp>
+          <p:nvSpPr>
+            <p:cNvPr id="74" name="TextBox 73">
+              <a:extLst>
+                <a:ext uri="{FF2B5EF4-FFF2-40B4-BE49-F238E27FC236}">
+                  <a16:creationId xmlns:a16="http://schemas.microsoft.com/office/drawing/2014/main" id="{A1835A64-4D39-4A3E-9C06-E541FFF86559}"/>
+                </a:ext>
+              </a:extLst>
+            </p:cNvPr>
+            <p:cNvSpPr txBox="1"/>
+            <p:nvPr/>
+          </p:nvSpPr>
+          <p:spPr>
+            <a:xfrm>
+              <a:off x="22249662" y="5566637"/>
+              <a:ext cx="9330150" cy="1462323"/>
+            </a:xfrm>
+            <a:prstGeom prst="rect">
+              <a:avLst/>
+            </a:prstGeom>
+            <a:solidFill>
+              <a:schemeClr val="bg1"/>
+            </a:solidFill>
+          </p:spPr>
+          <p:txBody>
+            <a:bodyPr wrap="square" rtlCol="0">
+              <a:spAutoFit/>
+            </a:bodyPr>
+            <a:lstStyle/>
+            <a:p>
+              <a:pPr algn="ctr">
+                <a:lnSpc>
+                  <a:spcPct val="107000"/>
+                </a:lnSpc>
+                <a:spcBef>
+                  <a:spcPts val="8748"/>
+                </a:spcBef>
+              </a:pPr>
+              <a:r>
+                <a:rPr lang="en-US" sz="2700" b="1" kern="0" dirty="0">
+                  <a:latin typeface="Times New Roman" panose="02020603050405020304" pitchFamily="18" charset="0"/>
+                  <a:ea typeface="Yu Gothic Light" panose="020B0300000000000000" pitchFamily="34" charset="-128"/>
+                  <a:cs typeface="Times New Roman" panose="02020603050405020304" pitchFamily="18" charset="0"/>
+                </a:rPr>
+                <a:t>Research Question</a:t>
+              </a:r>
+            </a:p>
+            <a:p>
+              <a:pPr algn="ctr">
+                <a:lnSpc>
+                  <a:spcPct val="115000"/>
+                </a:lnSpc>
+              </a:pPr>
+              <a:r>
+                <a:rPr lang="en-US" sz="2700" dirty="0">
+                  <a:latin typeface="Times New Roman" panose="02020603050405020304" pitchFamily="18" charset="0"/>
+                  <a:cs typeface="Arial" panose="020B0604020202020204" pitchFamily="34" charset="0"/>
+                </a:rPr>
+                <a:t>Can computer vision help identify new areas that need to be cleanup and measure how much waste is removed?</a:t>
+              </a:r>
+              <a:endParaRPr lang="en-US" sz="2700" dirty="0"/>
+            </a:p>
+          </p:txBody>
+        </p:sp>
+      </p:grpSp>
     </p:spTree>
     <p:extLst>
       <p:ext uri="{BB962C8B-B14F-4D97-AF65-F5344CB8AC3E}">
@@ -6101,68 +6193,15 @@
                                   </p:childTnLst>
                                 </p:cTn>
                               </p:par>
-                            </p:childTnLst>
-                          </p:cTn>
-                        </p:par>
-                      </p:childTnLst>
-                    </p:cTn>
-                  </p:par>
-                  <p:par>
-                    <p:cTn id="28" fill="hold">
-                      <p:stCondLst>
-                        <p:cond delay="indefinite"/>
-                      </p:stCondLst>
-                      <p:childTnLst>
-                        <p:par>
-                          <p:cTn id="29" fill="hold">
-                            <p:stCondLst>
-                              <p:cond delay="0"/>
-                            </p:stCondLst>
-                            <p:childTnLst>
                               <p:par>
-                                <p:cTn id="30" presetID="10" presetClass="entr" presetSubtype="0" fill="hold" nodeType="clickEffect">
+                                <p:cTn id="28" presetID="10" presetClass="entr" presetSubtype="0" fill="hold" nodeType="withEffect">
                                   <p:stCondLst>
                                     <p:cond delay="0"/>
                                   </p:stCondLst>
                                   <p:childTnLst>
                                     <p:set>
                                       <p:cBhvr>
-                                        <p:cTn id="31" dur="1" fill="hold">
-                                          <p:stCondLst>
-                                            <p:cond delay="0"/>
-                                          </p:stCondLst>
-                                        </p:cTn>
-                                        <p:tgtEl>
-                                          <p:spTgt spid="77"/>
-                                        </p:tgtEl>
-                                        <p:attrNameLst>
-                                          <p:attrName>style.visibility</p:attrName>
-                                        </p:attrNameLst>
-                                      </p:cBhvr>
-                                      <p:to>
-                                        <p:strVal val="visible"/>
-                                      </p:to>
-                                    </p:set>
-                                    <p:animEffect transition="in" filter="fade">
-                                      <p:cBhvr>
-                                        <p:cTn id="32" dur="500"/>
-                                        <p:tgtEl>
-                                          <p:spTgt spid="77"/>
-                                        </p:tgtEl>
-                                      </p:cBhvr>
-                                    </p:animEffect>
-                                  </p:childTnLst>
-                                </p:cTn>
-                              </p:par>
-                              <p:par>
-                                <p:cTn id="33" presetID="10" presetClass="entr" presetSubtype="0" fill="hold" nodeType="withEffect">
-                                  <p:stCondLst>
-                                    <p:cond delay="0"/>
-                                  </p:stCondLst>
-                                  <p:childTnLst>
-                                    <p:set>
-                                      <p:cBhvr>
-                                        <p:cTn id="34" dur="1" fill="hold">
+                                        <p:cTn id="29" dur="1" fill="hold">
                                           <p:stCondLst>
                                             <p:cond delay="0"/>
                                           </p:stCondLst>
@@ -6180,79 +6219,9 @@
                                     </p:set>
                                     <p:animEffect transition="in" filter="fade">
                                       <p:cBhvr>
-                                        <p:cTn id="35" dur="500"/>
+                                        <p:cTn id="30" dur="500"/>
                                         <p:tgtEl>
                                           <p:spTgt spid="76"/>
-                                        </p:tgtEl>
-                                      </p:cBhvr>
-                                    </p:animEffect>
-                                  </p:childTnLst>
-                                </p:cTn>
-                              </p:par>
-                              <p:par>
-                                <p:cTn id="36" presetID="10" presetClass="entr" presetSubtype="0" fill="hold" nodeType="withEffect">
-                                  <p:stCondLst>
-                                    <p:cond delay="0"/>
-                                  </p:stCondLst>
-                                  <p:childTnLst>
-                                    <p:set>
-                                      <p:cBhvr>
-                                        <p:cTn id="37" dur="1" fill="hold">
-                                          <p:stCondLst>
-                                            <p:cond delay="0"/>
-                                          </p:stCondLst>
-                                        </p:cTn>
-                                        <p:tgtEl>
-                                          <p:spTgt spid="87"/>
-                                        </p:tgtEl>
-                                        <p:attrNameLst>
-                                          <p:attrName>style.visibility</p:attrName>
-                                        </p:attrNameLst>
-                                      </p:cBhvr>
-                                      <p:to>
-                                        <p:strVal val="visible"/>
-                                      </p:to>
-                                    </p:set>
-                                    <p:animEffect transition="in" filter="fade">
-                                      <p:cBhvr>
-                                        <p:cTn id="38" dur="500"/>
-                                        <p:tgtEl>
-                                          <p:spTgt spid="87"/>
-                                        </p:tgtEl>
-                                      </p:cBhvr>
-                                    </p:animEffect>
-                                  </p:childTnLst>
-                                </p:cTn>
-                              </p:par>
-                              <p:par>
-                                <p:cTn id="39" presetID="10" presetClass="entr" presetSubtype="0" fill="hold" nodeType="withEffect">
-                                  <p:stCondLst>
-                                    <p:cond delay="0"/>
-                                  </p:stCondLst>
-                                  <p:childTnLst>
-                                    <p:set>
-                                      <p:cBhvr>
-                                        <p:cTn id="40" dur="1" fill="hold">
-                                          <p:stCondLst>
-                                            <p:cond delay="0"/>
-                                          </p:stCondLst>
-                                        </p:cTn>
-                                        <p:tgtEl>
-                                          <p:spTgt spid="86"/>
-                                        </p:tgtEl>
-                                        <p:attrNameLst>
-                                          <p:attrName>style.visibility</p:attrName>
-                                        </p:attrNameLst>
-                                      </p:cBhvr>
-                                      <p:to>
-                                        <p:strVal val="visible"/>
-                                      </p:to>
-                                    </p:set>
-                                    <p:animEffect transition="in" filter="fade">
-                                      <p:cBhvr>
-                                        <p:cTn id="41" dur="500"/>
-                                        <p:tgtEl>
-                                          <p:spTgt spid="86"/>
                                         </p:tgtEl>
                                       </p:cBhvr>
                                     </p:animEffect>
@@ -6552,6 +6521,15 @@
 </file>
 
 <file path=customXml/item1.xml><?xml version="1.0" encoding="utf-8"?>
+<?mso-contentType ?>
+<FormTemplates xmlns="http://schemas.microsoft.com/sharepoint/v3/contenttype/forms">
+  <Display>DocumentLibraryForm</Display>
+  <Edit>DocumentLibraryForm</Edit>
+  <New>DocumentLibraryForm</New>
+</FormTemplates>
+</file>
+
+<file path=customXml/item2.xml><?xml version="1.0" encoding="utf-8"?>
 <ct:contentTypeSchema xmlns:ct="http://schemas.microsoft.com/office/2006/metadata/contentType" xmlns:ma="http://schemas.microsoft.com/office/2006/metadata/properties/metaAttributes" ct:_="" ma:_="" ma:contentTypeName="Document" ma:contentTypeID="0x010100709246F82CEDA941B257A5C78009C659" ma:contentTypeVersion="14" ma:contentTypeDescription="Create a new document." ma:contentTypeScope="" ma:versionID="6964c97c6173b14f2c263f8ff40dcebf">
   <xsd:schema xmlns:xsd="http://www.w3.org/2001/XMLSchema" xmlns:xs="http://www.w3.org/2001/XMLSchema" xmlns:p="http://schemas.microsoft.com/office/2006/metadata/properties" xmlns:ns3="68e16128-2d43-4d02-a145-7bc313a3ea0a" xmlns:ns4="08b95f59-1d97-4b39-af7d-e6b2163714fb" targetNamespace="http://schemas.microsoft.com/office/2006/metadata/properties" ma:root="true" ma:fieldsID="3284c8aeba79bf85ea24aed0ddb9a1b2" ns3:_="" ns4:_="">
     <xsd:import namespace="68e16128-2d43-4d02-a145-7bc313a3ea0a"/>
@@ -6780,15 +6758,6 @@
 </ct:contentTypeSchema>
 </file>
 
-<file path=customXml/item2.xml><?xml version="1.0" encoding="utf-8"?>
-<?mso-contentType ?>
-<FormTemplates xmlns="http://schemas.microsoft.com/sharepoint/v3/contenttype/forms">
-  <Display>DocumentLibraryForm</Display>
-  <Edit>DocumentLibraryForm</Edit>
-  <New>DocumentLibraryForm</New>
-</FormTemplates>
-</file>
-
 <file path=customXml/item3.xml><?xml version="1.0" encoding="utf-8"?>
 <p:properties xmlns:p="http://schemas.microsoft.com/office/2006/metadata/properties" xmlns:xsi="http://www.w3.org/2001/XMLSchema-instance" xmlns:pc="http://schemas.microsoft.com/office/infopath/2007/PartnerControls">
   <documentManagement/>
@@ -6796,6 +6765,14 @@
 </file>
 
 <file path=customXml/itemProps1.xml><?xml version="1.0" encoding="utf-8"?>
+<ds:datastoreItem xmlns:ds="http://schemas.openxmlformats.org/officeDocument/2006/customXml" ds:itemID="{6DCC604C-21AA-439D-A620-BFA41A44A26F}">
+  <ds:schemaRefs>
+    <ds:schemaRef ds:uri="http://schemas.microsoft.com/sharepoint/v3/contenttype/forms"/>
+  </ds:schemaRefs>
+</ds:datastoreItem>
+</file>
+
+<file path=customXml/itemProps2.xml><?xml version="1.0" encoding="utf-8"?>
 <ds:datastoreItem xmlns:ds="http://schemas.openxmlformats.org/officeDocument/2006/customXml" ds:itemID="{A74EAF17-6DDE-4CA8-9F44-D92B800FE29D}">
   <ds:schemaRefs>
     <ds:schemaRef ds:uri="http://schemas.microsoft.com/office/2006/metadata/contentType"/>
@@ -6810,14 +6787,6 @@
     <ds:schemaRef ds:uri="http://purl.org/dc/elements/1.1/"/>
     <ds:schemaRef ds:uri="http://purl.org/dc/terms/"/>
     <ds:schemaRef ds:uri="http://schemas.microsoft.com/internal/obd"/>
-  </ds:schemaRefs>
-</ds:datastoreItem>
-</file>
-
-<file path=customXml/itemProps2.xml><?xml version="1.0" encoding="utf-8"?>
-<ds:datastoreItem xmlns:ds="http://schemas.openxmlformats.org/officeDocument/2006/customXml" ds:itemID="{6DCC604C-21AA-439D-A620-BFA41A44A26F}">
-  <ds:schemaRefs>
-    <ds:schemaRef ds:uri="http://schemas.microsoft.com/sharepoint/v3/contenttype/forms"/>
   </ds:schemaRefs>
 </ds:datastoreItem>
 </file>

--- a/docs/Conference Docs/Kansas City Poster.pptx
+++ b/docs/Conference Docs/Kansas City Poster.pptx
@@ -926,7 +926,7 @@
           <a:p>
             <a:fld id="{ECA9B2D0-E24D-4878-BF4D-5335FE977CF7}" type="datetimeFigureOut">
               <a:rPr lang="en-US" smtClean="0"/>
-              <a:t>9/20/2022</a:t>
+              <a:t>9/21/2022</a:t>
             </a:fld>
             <a:endParaRPr lang="en-US"/>
           </a:p>
@@ -1096,7 +1096,7 @@
           <a:p>
             <a:fld id="{ECA9B2D0-E24D-4878-BF4D-5335FE977CF7}" type="datetimeFigureOut">
               <a:rPr lang="en-US" smtClean="0"/>
-              <a:t>9/20/2022</a:t>
+              <a:t>9/21/2022</a:t>
             </a:fld>
             <a:endParaRPr lang="en-US"/>
           </a:p>
@@ -1276,7 +1276,7 @@
           <a:p>
             <a:fld id="{ECA9B2D0-E24D-4878-BF4D-5335FE977CF7}" type="datetimeFigureOut">
               <a:rPr lang="en-US" smtClean="0"/>
-              <a:t>9/20/2022</a:t>
+              <a:t>9/21/2022</a:t>
             </a:fld>
             <a:endParaRPr lang="en-US"/>
           </a:p>
@@ -1446,7 +1446,7 @@
           <a:p>
             <a:fld id="{ECA9B2D0-E24D-4878-BF4D-5335FE977CF7}" type="datetimeFigureOut">
               <a:rPr lang="en-US" smtClean="0"/>
-              <a:t>9/20/2022</a:t>
+              <a:t>9/21/2022</a:t>
             </a:fld>
             <a:endParaRPr lang="en-US"/>
           </a:p>
@@ -1690,7 +1690,7 @@
           <a:p>
             <a:fld id="{ECA9B2D0-E24D-4878-BF4D-5335FE977CF7}" type="datetimeFigureOut">
               <a:rPr lang="en-US" smtClean="0"/>
-              <a:t>9/20/2022</a:t>
+              <a:t>9/21/2022</a:t>
             </a:fld>
             <a:endParaRPr lang="en-US"/>
           </a:p>
@@ -1922,7 +1922,7 @@
           <a:p>
             <a:fld id="{ECA9B2D0-E24D-4878-BF4D-5335FE977CF7}" type="datetimeFigureOut">
               <a:rPr lang="en-US" smtClean="0"/>
-              <a:t>9/20/2022</a:t>
+              <a:t>9/21/2022</a:t>
             </a:fld>
             <a:endParaRPr lang="en-US"/>
           </a:p>
@@ -2289,7 +2289,7 @@
           <a:p>
             <a:fld id="{ECA9B2D0-E24D-4878-BF4D-5335FE977CF7}" type="datetimeFigureOut">
               <a:rPr lang="en-US" smtClean="0"/>
-              <a:t>9/20/2022</a:t>
+              <a:t>9/21/2022</a:t>
             </a:fld>
             <a:endParaRPr lang="en-US"/>
           </a:p>
@@ -2407,7 +2407,7 @@
           <a:p>
             <a:fld id="{ECA9B2D0-E24D-4878-BF4D-5335FE977CF7}" type="datetimeFigureOut">
               <a:rPr lang="en-US" smtClean="0"/>
-              <a:t>9/20/2022</a:t>
+              <a:t>9/21/2022</a:t>
             </a:fld>
             <a:endParaRPr lang="en-US"/>
           </a:p>
@@ -2502,7 +2502,7 @@
           <a:p>
             <a:fld id="{ECA9B2D0-E24D-4878-BF4D-5335FE977CF7}" type="datetimeFigureOut">
               <a:rPr lang="en-US" smtClean="0"/>
-              <a:t>9/20/2022</a:t>
+              <a:t>9/21/2022</a:t>
             </a:fld>
             <a:endParaRPr lang="en-US"/>
           </a:p>
@@ -2779,7 +2779,7 @@
           <a:p>
             <a:fld id="{ECA9B2D0-E24D-4878-BF4D-5335FE977CF7}" type="datetimeFigureOut">
               <a:rPr lang="en-US" smtClean="0"/>
-              <a:t>9/20/2022</a:t>
+              <a:t>9/21/2022</a:t>
             </a:fld>
             <a:endParaRPr lang="en-US"/>
           </a:p>
@@ -3036,7 +3036,7 @@
           <a:p>
             <a:fld id="{ECA9B2D0-E24D-4878-BF4D-5335FE977CF7}" type="datetimeFigureOut">
               <a:rPr lang="en-US" smtClean="0"/>
-              <a:t>9/20/2022</a:t>
+              <a:t>9/21/2022</a:t>
             </a:fld>
             <a:endParaRPr lang="en-US"/>
           </a:p>
@@ -3249,7 +3249,7 @@
           <a:p>
             <a:fld id="{ECA9B2D0-E24D-4878-BF4D-5335FE977CF7}" type="datetimeFigureOut">
               <a:rPr lang="en-US" smtClean="0"/>
-              <a:t>9/20/2022</a:t>
+              <a:t>9/21/2022</a:t>
             </a:fld>
             <a:endParaRPr lang="en-US"/>
           </a:p>
@@ -3702,10 +3702,10 @@
         </p:nvGrpSpPr>
         <p:grpSpPr>
           <a:xfrm>
-            <a:off x="21836697" y="8026222"/>
-            <a:ext cx="10156080" cy="2748908"/>
+            <a:off x="24316956" y="3837467"/>
+            <a:ext cx="7988879" cy="5237894"/>
             <a:chOff x="536895" y="1115737"/>
-            <a:chExt cx="4647501" cy="1649682"/>
+            <a:chExt cx="4647501" cy="1712549"/>
           </a:xfrm>
           <a:solidFill>
             <a:schemeClr val="bg1"/>
@@ -3726,7 +3726,7 @@
           <p:spPr>
             <a:xfrm>
               <a:off x="536895" y="1115737"/>
-              <a:ext cx="4647501" cy="1649682"/>
+              <a:ext cx="4647501" cy="1712549"/>
             </a:xfrm>
             <a:prstGeom prst="rect">
               <a:avLst/>
@@ -3770,8 +3770,8 @@
           </p:nvSpPr>
           <p:spPr>
             <a:xfrm>
-              <a:off x="604010" y="1190029"/>
-              <a:ext cx="4479719" cy="1159516"/>
+              <a:off x="706277" y="1182217"/>
+              <a:ext cx="4243912" cy="1423708"/>
             </a:xfrm>
             <a:prstGeom prst="rect">
               <a:avLst/>
@@ -3786,11 +3786,37 @@
             <a:p>
               <a:pPr algn="ctr">
                 <a:lnSpc>
-                  <a:spcPct val="107000"/>
+                  <a:spcPct val="115000"/>
                 </a:lnSpc>
-                <a:spcBef>
-                  <a:spcPts val="8748"/>
-                </a:spcBef>
+              </a:pPr>
+              <a:r>
+                <a:rPr lang="en-US" sz="2700" b="1" kern="0" dirty="0">
+                  <a:latin typeface="Times New Roman" panose="02020603050405020304" pitchFamily="18" charset="0"/>
+                  <a:ea typeface="Yu Gothic Light" panose="020B0300000000000000" pitchFamily="34" charset="-128"/>
+                  <a:cs typeface="Times New Roman" panose="02020603050405020304" pitchFamily="18" charset="0"/>
+                </a:rPr>
+                <a:t>Research Question</a:t>
+              </a:r>
+            </a:p>
+            <a:p>
+              <a:pPr algn="ctr">
+                <a:lnSpc>
+                  <a:spcPct val="115000"/>
+                </a:lnSpc>
+              </a:pPr>
+              <a:r>
+                <a:rPr lang="en-US" sz="2700" dirty="0">
+                  <a:latin typeface="Times New Roman" panose="02020603050405020304" pitchFamily="18" charset="0"/>
+                  <a:cs typeface="Arial" panose="020B0604020202020204" pitchFamily="34" charset="0"/>
+                </a:rPr>
+                <a:t>Can computer vision help identify new areas that need to be cleanup and measure how much waste is removed?</a:t>
+              </a:r>
+            </a:p>
+            <a:p>
+              <a:pPr algn="ctr">
+                <a:lnSpc>
+                  <a:spcPct val="115000"/>
+                </a:lnSpc>
               </a:pPr>
               <a:r>
                 <a:rPr lang="en-US" sz="2700" b="1" kern="0" dirty="0">
@@ -3802,51 +3828,66 @@
               </a:r>
             </a:p>
             <a:p>
-              <a:pPr marL="462915" indent="-462915">
+              <a:pPr>
                 <a:lnSpc>
                   <a:spcPct val="115000"/>
                 </a:lnSpc>
-                <a:buFontTx/>
-                <a:buChar char="-"/>
               </a:pPr>
+              <a:r>
+                <a:rPr lang="en-US" sz="2700" b="1" dirty="0">
+                  <a:latin typeface="Times New Roman" panose="02020603050405020304" pitchFamily="18" charset="0"/>
+                  <a:cs typeface="Arial" panose="020B0604020202020204" pitchFamily="34" charset="0"/>
+                </a:rPr>
+                <a:t>Algorithm</a:t>
+              </a:r>
               <a:r>
                 <a:rPr lang="en-US" sz="2700" dirty="0">
                   <a:latin typeface="Times New Roman" panose="02020603050405020304" pitchFamily="18" charset="0"/>
                   <a:cs typeface="Arial" panose="020B0604020202020204" pitchFamily="34" charset="0"/>
                 </a:rPr>
-                <a:t>Algorithm: Masked Regional Convolutional Neural Network</a:t>
+                <a:t>: Mask R-CNN</a:t>
               </a:r>
             </a:p>
             <a:p>
-              <a:pPr marL="462915" indent="-462915">
+              <a:pPr>
                 <a:lnSpc>
                   <a:spcPct val="115000"/>
                 </a:lnSpc>
-                <a:buFontTx/>
-                <a:buChar char="-"/>
               </a:pPr>
+              <a:r>
+                <a:rPr lang="en-US" sz="2700" b="1" dirty="0">
+                  <a:latin typeface="Times New Roman" panose="02020603050405020304" pitchFamily="18" charset="0"/>
+                  <a:cs typeface="Arial" panose="020B0604020202020204" pitchFamily="34" charset="0"/>
+                </a:rPr>
+                <a:t>Training dataset</a:t>
+              </a:r>
               <a:r>
                 <a:rPr lang="en-US" sz="2700" dirty="0">
                   <a:latin typeface="Times New Roman" panose="02020603050405020304" pitchFamily="18" charset="0"/>
                   <a:cs typeface="Arial" panose="020B0604020202020204" pitchFamily="34" charset="0"/>
                 </a:rPr>
-                <a:t>Training dataset: Trash Annotations in Context</a:t>
+                <a:t>: Trash Annotations in Context</a:t>
               </a:r>
             </a:p>
             <a:p>
-              <a:pPr marL="462915" indent="-462915">
+              <a:pPr>
                 <a:lnSpc>
                   <a:spcPct val="115000"/>
                 </a:lnSpc>
-                <a:buFontTx/>
-                <a:buChar char="-"/>
               </a:pPr>
+              <a:r>
+                <a:rPr lang="en-US" sz="2700" b="1" dirty="0">
+                  <a:latin typeface="Times New Roman" panose="02020603050405020304" pitchFamily="18" charset="0"/>
+                  <a:cs typeface="Arial" panose="020B0604020202020204" pitchFamily="34" charset="0"/>
+                </a:rPr>
+                <a:t>Detection datasets</a:t>
+              </a:r>
               <a:r>
                 <a:rPr lang="en-US" sz="2700" dirty="0">
                   <a:latin typeface="Times New Roman" panose="02020603050405020304" pitchFamily="18" charset="0"/>
                   <a:cs typeface="Arial" panose="020B0604020202020204" pitchFamily="34" charset="0"/>
                 </a:rPr>
-                <a:t>Detection datasets: Mapillary and hand collected images</a:t>
+                <a:t>: Mapillary &amp; smart-phone images</a:t>
               </a:r>
               <a:endParaRPr lang="en-US" sz="2700" dirty="0">
                 <a:latin typeface="Times New Roman" panose="02020603050405020304" pitchFamily="18" charset="0"/>
@@ -3870,8 +3911,8 @@
         </p:nvGrpSpPr>
         <p:grpSpPr>
           <a:xfrm>
-            <a:off x="907442" y="4969284"/>
-            <a:ext cx="10191804" cy="5819473"/>
+            <a:off x="788182" y="3837468"/>
+            <a:ext cx="12574471" cy="5226087"/>
             <a:chOff x="550845" y="1241472"/>
             <a:chExt cx="4647501" cy="1829690"/>
           </a:xfrm>
@@ -3981,7 +4022,7 @@
                   <a:ea typeface="Times New Roman" panose="02020603050405020304" pitchFamily="18" charset="0"/>
                   <a:cs typeface="Arial" panose="020B0604020202020204" pitchFamily="34" charset="0"/>
                 </a:rPr>
-                <a:t>This study combines photo metadata and computer vision to quantify where uncollected litter is present. Images from the Trash Annotations in Context (TACO) dataset were used to teach an algorithm to detect 10 categories of garbage. Although it worked well with smartphone photos, it struggled when trying to process images from vehicle mounted cameras. However, increasing the variety of perspectives and backgrounds in the dataset will help it improve in unfamiliar situations. These data are plotted onto a map which, as accuracy improves, could be used for measuring waste management strategies and quantifying trends.</a:t>
+                <a:t>This study combines photo metadata and computer vision to quantify where uncollected litter is present. A pretrained model from the Trash Annotations in Context (TACO) dataset classified objects in 10 categories of garbage. Although it worked well with smartphone photos, it struggled when trying to process images from vehicle mounted cameras. However, increasing the variety of perspectives and backgrounds in the dataset will help it improve in unfamiliar situations. These data are plotted onto a map which, as accuracy improves, could be used for measuring waste management strategies and quantifying trends.</a:t>
               </a:r>
               <a:endParaRPr lang="en-US" sz="2700" dirty="0"/>
             </a:p>
@@ -4002,8 +4043,8 @@
         </p:nvGrpSpPr>
         <p:grpSpPr>
           <a:xfrm>
-            <a:off x="10366360" y="17301733"/>
-            <a:ext cx="10511311" cy="3991929"/>
+            <a:off x="10602765" y="9666799"/>
+            <a:ext cx="10511311" cy="4644003"/>
             <a:chOff x="536895" y="1115737"/>
             <a:chExt cx="4647501" cy="1649682"/>
           </a:xfrm>
@@ -4071,7 +4112,7 @@
           <p:spPr>
             <a:xfrm>
               <a:off x="604007" y="1190030"/>
-              <a:ext cx="4479720" cy="1390849"/>
+              <a:ext cx="4479720" cy="1365294"/>
             </a:xfrm>
             <a:prstGeom prst="rect">
               <a:avLst/>
@@ -4100,6 +4141,17 @@
                 </a:rPr>
                 <a:t>Challenges</a:t>
               </a:r>
+              <a:endParaRPr lang="en-US" sz="2700" dirty="0">
+                <a:latin typeface="Times New Roman" panose="02020603050405020304" pitchFamily="18" charset="0"/>
+                <a:cs typeface="Times New Roman" panose="02020603050405020304" pitchFamily="18" charset="0"/>
+              </a:endParaRPr>
+            </a:p>
+            <a:p>
+              <a:pPr>
+                <a:lnSpc>
+                  <a:spcPct val="115000"/>
+                </a:lnSpc>
+              </a:pPr>
               <a:endParaRPr lang="en-US" sz="2700" dirty="0">
                 <a:latin typeface="Times New Roman" panose="02020603050405020304" pitchFamily="18" charset="0"/>
                 <a:cs typeface="Times New Roman" panose="02020603050405020304" pitchFamily="18" charset="0"/>
@@ -4206,178 +4258,6 @@
       </p:grpSp>
       <p:grpSp>
         <p:nvGrpSpPr>
-          <p:cNvPr id="51" name="Group 50">
-            <a:extLst>
-              <a:ext uri="{FF2B5EF4-FFF2-40B4-BE49-F238E27FC236}">
-                <a16:creationId xmlns:a16="http://schemas.microsoft.com/office/drawing/2014/main" id="{A0B131DE-3481-4F3B-A54A-91292543CD57}"/>
-              </a:ext>
-            </a:extLst>
-          </p:cNvPr>
-          <p:cNvGrpSpPr/>
-          <p:nvPr/>
-        </p:nvGrpSpPr>
-        <p:grpSpPr>
-          <a:xfrm>
-            <a:off x="21541370" y="17454174"/>
-            <a:ext cx="10511308" cy="3800542"/>
-            <a:chOff x="536895" y="1115737"/>
-            <a:chExt cx="4647501" cy="1649682"/>
-          </a:xfrm>
-          <a:solidFill>
-            <a:schemeClr val="bg1"/>
-          </a:solidFill>
-        </p:grpSpPr>
-        <p:sp>
-          <p:nvSpPr>
-            <p:cNvPr id="52" name="Rectangle 51">
-              <a:extLst>
-                <a:ext uri="{FF2B5EF4-FFF2-40B4-BE49-F238E27FC236}">
-                  <a16:creationId xmlns:a16="http://schemas.microsoft.com/office/drawing/2014/main" id="{C2108131-C5EA-48E4-A1A9-FF010ADB002C}"/>
-                </a:ext>
-              </a:extLst>
-            </p:cNvPr>
-            <p:cNvSpPr/>
-            <p:nvPr/>
-          </p:nvSpPr>
-          <p:spPr>
-            <a:xfrm>
-              <a:off x="536895" y="1115737"/>
-              <a:ext cx="4647501" cy="1649682"/>
-            </a:xfrm>
-            <a:prstGeom prst="rect">
-              <a:avLst/>
-            </a:prstGeom>
-            <a:grpFill/>
-            <a:ln>
-              <a:solidFill>
-                <a:schemeClr val="accent6"/>
-              </a:solidFill>
-            </a:ln>
-          </p:spPr>
-          <p:style>
-            <a:lnRef idx="1">
-              <a:schemeClr val="accent6"/>
-            </a:lnRef>
-            <a:fillRef idx="2">
-              <a:schemeClr val="accent6"/>
-            </a:fillRef>
-            <a:effectRef idx="1">
-              <a:schemeClr val="accent6"/>
-            </a:effectRef>
-            <a:fontRef idx="minor">
-              <a:schemeClr val="dk1"/>
-            </a:fontRef>
-          </p:style>
-          <p:txBody>
-            <a:bodyPr rtlCol="0" anchor="ctr"/>
-            <a:lstStyle/>
-            <a:p>
-              <a:pPr algn="ctr"/>
-              <a:endParaRPr lang="en-US" sz="2700"/>
-            </a:p>
-          </p:txBody>
-        </p:sp>
-        <p:sp>
-          <p:nvSpPr>
-            <p:cNvPr id="53" name="TextBox 52">
-              <a:extLst>
-                <a:ext uri="{FF2B5EF4-FFF2-40B4-BE49-F238E27FC236}">
-                  <a16:creationId xmlns:a16="http://schemas.microsoft.com/office/drawing/2014/main" id="{3227955B-5474-4FE4-A50A-194F5B910FDD}"/>
-                </a:ext>
-              </a:extLst>
-            </p:cNvPr>
-            <p:cNvSpPr txBox="1"/>
-            <p:nvPr/>
-          </p:nvSpPr>
-          <p:spPr>
-            <a:xfrm>
-              <a:off x="604008" y="1235818"/>
-              <a:ext cx="4479720" cy="1046077"/>
-            </a:xfrm>
-            <a:prstGeom prst="rect">
-              <a:avLst/>
-            </a:prstGeom>
-            <a:grpFill/>
-            <a:ln>
-              <a:noFill/>
-            </a:ln>
-          </p:spPr>
-          <p:txBody>
-            <a:bodyPr wrap="square" rtlCol="0">
-              <a:spAutoFit/>
-            </a:bodyPr>
-            <a:lstStyle/>
-            <a:p>
-              <a:pPr algn="ctr">
-                <a:lnSpc>
-                  <a:spcPct val="107000"/>
-                </a:lnSpc>
-                <a:spcBef>
-                  <a:spcPts val="8748"/>
-                </a:spcBef>
-              </a:pPr>
-              <a:r>
-                <a:rPr lang="en-US" sz="2700" b="1" kern="0" dirty="0">
-                  <a:latin typeface="Times New Roman" panose="02020603050405020304" pitchFamily="18" charset="0"/>
-                  <a:ea typeface="Yu Gothic Light" panose="020B0300000000000000" pitchFamily="34" charset="-128"/>
-                  <a:cs typeface="Times New Roman" panose="02020603050405020304" pitchFamily="18" charset="0"/>
-                </a:rPr>
-                <a:t>Conclusion</a:t>
-              </a:r>
-            </a:p>
-            <a:p>
-              <a:pPr marL="462915" indent="-462915">
-                <a:lnSpc>
-                  <a:spcPct val="115000"/>
-                </a:lnSpc>
-                <a:buFontTx/>
-                <a:buChar char="-"/>
-              </a:pPr>
-              <a:r>
-                <a:rPr lang="en-US" sz="2700" dirty="0">
-                  <a:latin typeface="Times New Roman" panose="02020603050405020304" pitchFamily="18" charset="0"/>
-                  <a:cs typeface="Times New Roman" panose="02020603050405020304" pitchFamily="18" charset="0"/>
-                </a:rPr>
-                <a:t>For car mounted camera detection many more images are needed</a:t>
-              </a:r>
-            </a:p>
-            <a:p>
-              <a:pPr marL="462915" indent="-462915">
-                <a:lnSpc>
-                  <a:spcPct val="115000"/>
-                </a:lnSpc>
-                <a:buFontTx/>
-                <a:buChar char="-"/>
-              </a:pPr>
-              <a:r>
-                <a:rPr lang="en-US" sz="2700" dirty="0">
-                  <a:latin typeface="Times New Roman" panose="02020603050405020304" pitchFamily="18" charset="0"/>
-                  <a:cs typeface="Times New Roman" panose="02020603050405020304" pitchFamily="18" charset="0"/>
-                </a:rPr>
-                <a:t>Detection works on smart phone images and can be used in clean up strategies today</a:t>
-              </a:r>
-            </a:p>
-            <a:p>
-              <a:pPr marL="462915" indent="-462915">
-                <a:lnSpc>
-                  <a:spcPct val="115000"/>
-                </a:lnSpc>
-                <a:buFontTx/>
-                <a:buChar char="-"/>
-              </a:pPr>
-              <a:r>
-                <a:rPr lang="en-US" sz="2700" dirty="0">
-                  <a:latin typeface="Times New Roman" panose="02020603050405020304" pitchFamily="18" charset="0"/>
-                  <a:cs typeface="Times New Roman" panose="02020603050405020304" pitchFamily="18" charset="0"/>
-                </a:rPr>
-                <a:t>References available upon request from julianhernandez@csus.edu</a:t>
-              </a:r>
-            </a:p>
-          </p:txBody>
-        </p:sp>
-      </p:grpSp>
-      <p:grpSp>
-        <p:nvGrpSpPr>
           <p:cNvPr id="35" name="Group 34">
             <a:extLst>
               <a:ext uri="{FF2B5EF4-FFF2-40B4-BE49-F238E27FC236}">
@@ -4390,10 +4270,10 @@
         </p:nvGrpSpPr>
         <p:grpSpPr>
           <a:xfrm>
-            <a:off x="11517380" y="5002606"/>
-            <a:ext cx="9360291" cy="3962338"/>
+            <a:off x="14159659" y="3837468"/>
+            <a:ext cx="9360291" cy="5237894"/>
             <a:chOff x="536895" y="1115737"/>
-            <a:chExt cx="4647501" cy="1649682"/>
+            <a:chExt cx="4647501" cy="2909350"/>
           </a:xfrm>
           <a:solidFill>
             <a:schemeClr val="bg1"/>
@@ -4414,7 +4294,7 @@
           <p:spPr>
             <a:xfrm>
               <a:off x="536895" y="1115737"/>
-              <a:ext cx="4647501" cy="1649682"/>
+              <a:ext cx="4647501" cy="2909350"/>
             </a:xfrm>
             <a:prstGeom prst="rect">
               <a:avLst/>
@@ -4459,7 +4339,7 @@
           <p:spPr>
             <a:xfrm>
               <a:off x="673758" y="1202167"/>
-              <a:ext cx="4479722" cy="1401236"/>
+              <a:ext cx="4479722" cy="2606397"/>
             </a:xfrm>
             <a:prstGeom prst="rect">
               <a:avLst/>
@@ -4481,18 +4361,13 @@
                 </a:spcBef>
               </a:pPr>
               <a:r>
-                <a:rPr lang="en-US" sz="2700" b="1" kern="0">
+                <a:rPr lang="en-US" sz="2700" b="1" kern="0" dirty="0">
                   <a:latin typeface="Times New Roman" panose="02020603050405020304" pitchFamily="18" charset="0"/>
                   <a:ea typeface="Yu Gothic Light" panose="020B0300000000000000" pitchFamily="34" charset="-128"/>
                   <a:cs typeface="Times New Roman" panose="02020603050405020304" pitchFamily="18" charset="0"/>
                 </a:rPr>
                 <a:t>Problem</a:t>
               </a:r>
-              <a:endParaRPr lang="en-US" sz="2700" b="1" kern="0" dirty="0">
-                <a:latin typeface="Times New Roman" panose="02020603050405020304" pitchFamily="18" charset="0"/>
-                <a:ea typeface="Yu Gothic Light" panose="020B0300000000000000" pitchFamily="34" charset="-128"/>
-                <a:cs typeface="Times New Roman" panose="02020603050405020304" pitchFamily="18" charset="0"/>
-              </a:endParaRPr>
             </a:p>
             <a:p>
               <a:pPr marL="462915" indent="-462915">
@@ -4507,7 +4382,24 @@
                   <a:latin typeface="Times New Roman" panose="02020603050405020304" pitchFamily="18" charset="0"/>
                   <a:cs typeface="Arial" panose="020B0604020202020204" pitchFamily="34" charset="0"/>
                 </a:rPr>
-                <a:t>Trash production is doubling every decade</a:t>
+                <a:t>Trash production is </a:t>
+              </a:r>
+              <a:r>
+                <a:rPr lang="en-US" sz="2700" b="1" dirty="0">
+                  <a:solidFill>
+                    <a:srgbClr val="FF0000"/>
+                  </a:solidFill>
+                  <a:latin typeface="Times New Roman" panose="02020603050405020304" pitchFamily="18" charset="0"/>
+                  <a:cs typeface="Arial" panose="020B0604020202020204" pitchFamily="34" charset="0"/>
+                </a:rPr>
+                <a:t>doubling</a:t>
+              </a:r>
+              <a:r>
+                <a:rPr lang="en-US" sz="2700" dirty="0">
+                  <a:latin typeface="Times New Roman" panose="02020603050405020304" pitchFamily="18" charset="0"/>
+                  <a:cs typeface="Arial" panose="020B0604020202020204" pitchFamily="34" charset="0"/>
+                </a:rPr>
+                <a:t> every decade</a:t>
               </a:r>
             </a:p>
             <a:p>
@@ -4539,38 +4431,6 @@
                   <a:latin typeface="Times New Roman" panose="02020603050405020304" pitchFamily="18" charset="0"/>
                   <a:cs typeface="Arial" panose="020B0604020202020204" pitchFamily="34" charset="0"/>
                 </a:rPr>
-                <a:t>270 species are harmed or killed by waste pollution</a:t>
-              </a:r>
-            </a:p>
-            <a:p>
-              <a:pPr marL="462915" indent="-462915">
-                <a:lnSpc>
-                  <a:spcPct val="115000"/>
-                </a:lnSpc>
-                <a:buFontTx/>
-                <a:buChar char="-"/>
-              </a:pPr>
-              <a:r>
-                <a:rPr lang="en-US" sz="2700" dirty="0">
-                  <a:latin typeface="Times New Roman" panose="02020603050405020304" pitchFamily="18" charset="0"/>
-                  <a:cs typeface="Arial" panose="020B0604020202020204" pitchFamily="34" charset="0"/>
-                </a:rPr>
-                <a:t>Globally costs over $200 billion a year</a:t>
-              </a:r>
-            </a:p>
-            <a:p>
-              <a:pPr marL="462915" indent="-462915">
-                <a:lnSpc>
-                  <a:spcPct val="115000"/>
-                </a:lnSpc>
-                <a:buFontTx/>
-                <a:buChar char="-"/>
-              </a:pPr>
-              <a:r>
-                <a:rPr lang="en-US" sz="2700" dirty="0">
-                  <a:latin typeface="Times New Roman" panose="02020603050405020304" pitchFamily="18" charset="0"/>
-                  <a:cs typeface="Arial" panose="020B0604020202020204" pitchFamily="34" charset="0"/>
-                </a:rPr>
                 <a:t>Waste produces 5% of global GHG emissions</a:t>
               </a:r>
             </a:p>
@@ -4587,7 +4447,50 @@
                   <a:latin typeface="Times New Roman" panose="02020603050405020304" pitchFamily="18" charset="0"/>
                   <a:cs typeface="Arial" panose="020B0604020202020204" pitchFamily="34" charset="0"/>
                 </a:rPr>
-                <a:t>80% of marine waste originates on land</a:t>
+                <a:t>80% of marine litter originates on land</a:t>
+              </a:r>
+            </a:p>
+            <a:p>
+              <a:pPr marL="462915" indent="-462915">
+                <a:lnSpc>
+                  <a:spcPct val="115000"/>
+                </a:lnSpc>
+                <a:buFontTx/>
+                <a:buChar char="-"/>
+              </a:pPr>
+              <a:endParaRPr lang="en-US" sz="2700" dirty="0">
+                <a:latin typeface="Times New Roman" panose="02020603050405020304" pitchFamily="18" charset="0"/>
+                <a:cs typeface="Arial" panose="020B0604020202020204" pitchFamily="34" charset="0"/>
+              </a:endParaRPr>
+            </a:p>
+            <a:p>
+              <a:pPr lvl="1" algn="ctr">
+                <a:lnSpc>
+                  <a:spcPct val="115000"/>
+                </a:lnSpc>
+              </a:pPr>
+              <a:r>
+                <a:rPr lang="en-US" sz="2700" b="1" kern="0" dirty="0">
+                  <a:latin typeface="Times New Roman" panose="02020603050405020304" pitchFamily="18" charset="0"/>
+                  <a:ea typeface="Yu Gothic Light" panose="020B0300000000000000" pitchFamily="34" charset="-128"/>
+                  <a:cs typeface="Times New Roman" panose="02020603050405020304" pitchFamily="18" charset="0"/>
+                </a:rPr>
+                <a:t>Litter Estimates</a:t>
+              </a:r>
+            </a:p>
+            <a:p>
+              <a:pPr lvl="1" algn="ctr">
+                <a:lnSpc>
+                  <a:spcPct val="115000"/>
+                </a:lnSpc>
+              </a:pPr>
+              <a:r>
+                <a:rPr lang="en-US" sz="2700" kern="0" dirty="0">
+                  <a:latin typeface="Times New Roman" panose="02020603050405020304" pitchFamily="18" charset="0"/>
+                  <a:ea typeface="Yu Gothic Light" panose="020B0300000000000000" pitchFamily="34" charset="-128"/>
+                  <a:cs typeface="Times New Roman" panose="02020603050405020304" pitchFamily="18" charset="0"/>
+                </a:rPr>
+                <a:t>Current methods to evaluate litter levels trade accuracy for time, how can this challenge be overcome?</a:t>
               </a:r>
               <a:endParaRPr lang="en-US" sz="2700" dirty="0">
                 <a:latin typeface="Times New Roman" panose="02020603050405020304" pitchFamily="18" charset="0"/>
@@ -4653,7 +4556,7 @@
         <p:spPr>
           <a:xfrm>
             <a:off x="7961918" y="680299"/>
-            <a:ext cx="17033007" cy="3046988"/>
+            <a:ext cx="17033007" cy="2308324"/>
           </a:xfrm>
           <a:prstGeom prst="rect">
             <a:avLst/>
@@ -4668,7 +4571,7 @@
           <a:p>
             <a:pPr algn="ctr"/>
             <a:r>
-              <a:rPr lang="en-US" sz="4800" b="1" dirty="0">
+              <a:rPr lang="en-US" sz="3600" b="1" dirty="0">
                 <a:latin typeface="Times New Roman" panose="02020603050405020304" pitchFamily="18" charset="0"/>
                 <a:ea typeface="Times New Roman" panose="02020603050405020304" pitchFamily="18" charset="0"/>
                 <a:cs typeface="Arial" panose="020B0604020202020204" pitchFamily="34" charset="0"/>
@@ -4679,7 +4582,7 @@
           <a:p>
             <a:pPr algn="ctr"/>
             <a:r>
-              <a:rPr lang="en-US" sz="4800" b="1" dirty="0">
+              <a:rPr lang="en-US" sz="3600" b="1" dirty="0">
                 <a:latin typeface="Times New Roman" panose="02020603050405020304" pitchFamily="18" charset="0"/>
                 <a:ea typeface="Calibri" panose="020F0502020204030204" pitchFamily="34" charset="0"/>
                 <a:cs typeface="Arial" panose="020B0604020202020204" pitchFamily="34" charset="0"/>
@@ -4690,7 +4593,7 @@
           <a:p>
             <a:pPr algn="ctr"/>
             <a:r>
-              <a:rPr lang="en-US" sz="4800" b="1" dirty="0">
+              <a:rPr lang="en-US" sz="3600" b="1" dirty="0">
                 <a:latin typeface="Times New Roman" panose="02020603050405020304" pitchFamily="18" charset="0"/>
                 <a:ea typeface="Calibri" panose="020F0502020204030204" pitchFamily="34" charset="0"/>
                 <a:cs typeface="Arial" panose="020B0604020202020204" pitchFamily="34" charset="0"/>
@@ -4701,14 +4604,14 @@
           <a:p>
             <a:pPr algn="ctr"/>
             <a:r>
-              <a:rPr lang="en-US" sz="4800" b="1" dirty="0">
+              <a:rPr lang="en-US" sz="3600" b="1" dirty="0">
                 <a:latin typeface="Times New Roman" panose="02020603050405020304" pitchFamily="18" charset="0"/>
                 <a:ea typeface="Calibri" panose="020F0502020204030204" pitchFamily="34" charset="0"/>
                 <a:cs typeface="Arial" panose="020B0604020202020204" pitchFamily="34" charset="0"/>
               </a:rPr>
               <a:t>California State University, Sacramento</a:t>
             </a:r>
-            <a:endParaRPr lang="en-US" sz="4800" dirty="0">
+            <a:endParaRPr lang="en-US" sz="3600" dirty="0">
               <a:latin typeface="Calibri" panose="020F0502020204030204" pitchFamily="34" charset="0"/>
               <a:ea typeface="Calibri" panose="020F0502020204030204" pitchFamily="34" charset="0"/>
               <a:cs typeface="Arial" panose="020B0604020202020204" pitchFamily="34" charset="0"/>
@@ -4716,154 +4619,6 @@
           </a:p>
         </p:txBody>
       </p:sp>
-      <p:grpSp>
-        <p:nvGrpSpPr>
-          <p:cNvPr id="56" name="Group 55">
-            <a:extLst>
-              <a:ext uri="{FF2B5EF4-FFF2-40B4-BE49-F238E27FC236}">
-                <a16:creationId xmlns:a16="http://schemas.microsoft.com/office/drawing/2014/main" id="{5CCC1576-262C-4AE3-9B87-0721EB2D6AB4}"/>
-              </a:ext>
-            </a:extLst>
-          </p:cNvPr>
-          <p:cNvGrpSpPr/>
-          <p:nvPr/>
-        </p:nvGrpSpPr>
-        <p:grpSpPr>
-          <a:xfrm>
-            <a:off x="21541367" y="13835739"/>
-            <a:ext cx="10511311" cy="2984734"/>
-            <a:chOff x="536895" y="1115738"/>
-            <a:chExt cx="4647501" cy="1548216"/>
-          </a:xfrm>
-          <a:solidFill>
-            <a:schemeClr val="bg1"/>
-          </a:solidFill>
-        </p:grpSpPr>
-        <p:sp>
-          <p:nvSpPr>
-            <p:cNvPr id="57" name="Rectangle 56">
-              <a:extLst>
-                <a:ext uri="{FF2B5EF4-FFF2-40B4-BE49-F238E27FC236}">
-                  <a16:creationId xmlns:a16="http://schemas.microsoft.com/office/drawing/2014/main" id="{B106EE3C-A6FC-487F-AF25-1432F96F5F44}"/>
-                </a:ext>
-              </a:extLst>
-            </p:cNvPr>
-            <p:cNvSpPr/>
-            <p:nvPr/>
-          </p:nvSpPr>
-          <p:spPr>
-            <a:xfrm>
-              <a:off x="536895" y="1115738"/>
-              <a:ext cx="4647501" cy="1548216"/>
-            </a:xfrm>
-            <a:prstGeom prst="rect">
-              <a:avLst/>
-            </a:prstGeom>
-            <a:grpFill/>
-          </p:spPr>
-          <p:style>
-            <a:lnRef idx="1">
-              <a:schemeClr val="accent6"/>
-            </a:lnRef>
-            <a:fillRef idx="2">
-              <a:schemeClr val="accent6"/>
-            </a:fillRef>
-            <a:effectRef idx="1">
-              <a:schemeClr val="accent6"/>
-            </a:effectRef>
-            <a:fontRef idx="minor">
-              <a:schemeClr val="dk1"/>
-            </a:fontRef>
-          </p:style>
-          <p:txBody>
-            <a:bodyPr rtlCol="0" anchor="ctr"/>
-            <a:lstStyle/>
-            <a:p>
-              <a:pPr algn="ctr"/>
-              <a:endParaRPr lang="en-US" sz="2700"/>
-            </a:p>
-          </p:txBody>
-        </p:sp>
-        <p:sp>
-          <p:nvSpPr>
-            <p:cNvPr id="58" name="TextBox 57">
-              <a:extLst>
-                <a:ext uri="{FF2B5EF4-FFF2-40B4-BE49-F238E27FC236}">
-                  <a16:creationId xmlns:a16="http://schemas.microsoft.com/office/drawing/2014/main" id="{2E42D285-EF15-4AD1-B42D-4EFEDA36B75D}"/>
-                </a:ext>
-              </a:extLst>
-            </p:cNvPr>
-            <p:cNvSpPr txBox="1"/>
-            <p:nvPr/>
-          </p:nvSpPr>
-          <p:spPr>
-            <a:xfrm>
-              <a:off x="604007" y="1190029"/>
-              <a:ext cx="4479720" cy="1250071"/>
-            </a:xfrm>
-            <a:prstGeom prst="rect">
-              <a:avLst/>
-            </a:prstGeom>
-            <a:grpFill/>
-          </p:spPr>
-          <p:txBody>
-            <a:bodyPr wrap="square" rtlCol="0">
-              <a:spAutoFit/>
-            </a:bodyPr>
-            <a:lstStyle/>
-            <a:p>
-              <a:pPr algn="ctr">
-                <a:lnSpc>
-                  <a:spcPct val="107000"/>
-                </a:lnSpc>
-                <a:spcBef>
-                  <a:spcPts val="8748"/>
-                </a:spcBef>
-              </a:pPr>
-              <a:r>
-                <a:rPr lang="en-US" sz="2700" b="1" kern="0" dirty="0">
-                  <a:latin typeface="Times New Roman" panose="02020603050405020304" pitchFamily="18" charset="0"/>
-                  <a:ea typeface="Yu Gothic Light" panose="020B0300000000000000" pitchFamily="34" charset="-128"/>
-                  <a:cs typeface="Times New Roman" panose="02020603050405020304" pitchFamily="18" charset="0"/>
-                </a:rPr>
-                <a:t>Future Work</a:t>
-              </a:r>
-            </a:p>
-            <a:p>
-              <a:pPr marL="462915" indent="-462915">
-                <a:lnSpc>
-                  <a:spcPct val="115000"/>
-                </a:lnSpc>
-                <a:buFontTx/>
-                <a:buChar char="-"/>
-              </a:pPr>
-              <a:r>
-                <a:rPr lang="en-US" sz="2700" dirty="0">
-                  <a:latin typeface="Times New Roman" panose="02020603050405020304" pitchFamily="18" charset="0"/>
-                  <a:cs typeface="Times New Roman" panose="02020603050405020304" pitchFamily="18" charset="0"/>
-                </a:rPr>
-                <a:t>Collect new images of trash, and add them to the TACO database to increase accuracy and help the algorithm reject cars</a:t>
-              </a:r>
-            </a:p>
-            <a:p>
-              <a:pPr marL="462915" indent="-462915">
-                <a:lnSpc>
-                  <a:spcPct val="115000"/>
-                </a:lnSpc>
-                <a:buFontTx/>
-                <a:buChar char="-"/>
-              </a:pPr>
-              <a:r>
-                <a:rPr lang="en-US" sz="2700" dirty="0">
-                  <a:latin typeface="Times New Roman" panose="02020603050405020304" pitchFamily="18" charset="0"/>
-                  <a:cs typeface="Times New Roman" panose="02020603050405020304" pitchFamily="18" charset="0"/>
-                </a:rPr>
-                <a:t>Build a smart trash can that can see what trash is about to be thrown away and alert the person which is the correct bin</a:t>
-              </a:r>
-            </a:p>
-          </p:txBody>
-        </p:sp>
-      </p:grpSp>
       <p:grpSp>
         <p:nvGrpSpPr>
           <p:cNvPr id="4" name="Group 3">
@@ -4878,9 +4633,9 @@
         </p:nvGrpSpPr>
         <p:grpSpPr>
           <a:xfrm>
-            <a:off x="582225" y="16621298"/>
+            <a:off x="840248" y="9654992"/>
             <a:ext cx="9120436" cy="4644003"/>
-            <a:chOff x="7898899" y="1137536"/>
+            <a:chOff x="7935750" y="1137536"/>
             <a:chExt cx="3893078" cy="1541966"/>
           </a:xfrm>
           <a:solidFill>
@@ -4901,7 +4656,7 @@
           </p:nvSpPr>
           <p:spPr>
             <a:xfrm>
-              <a:off x="7898899" y="1137536"/>
+              <a:off x="7935750" y="1137536"/>
               <a:ext cx="3893078" cy="1541966"/>
             </a:xfrm>
             <a:prstGeom prst="rect">
@@ -4937,8 +4692,8 @@
             </a:p>
           </p:txBody>
         </p:sp>
-        <mc:AlternateContent xmlns:mc="http://schemas.openxmlformats.org/markup-compatibility/2006">
-          <mc:Choice xmlns:a14="http://schemas.microsoft.com/office/drawing/2010/main" Requires="a14">
+        <mc:AlternateContent xmlns:mc="http://schemas.openxmlformats.org/markup-compatibility/2006" xmlns:a14="http://schemas.microsoft.com/office/drawing/2010/main">
+          <mc:Choice Requires="a14">
             <p:sp>
               <p:nvSpPr>
                 <p:cNvPr id="62" name="TextBox 61">
@@ -5238,7 +4993,7 @@
               </p:txBody>
             </p:sp>
           </mc:Choice>
-          <mc:Fallback>
+          <mc:Fallback xmlns="">
             <p:sp>
               <p:nvSpPr>
                 <p:cNvPr id="62" name="TextBox 61">
@@ -5286,6 +5041,288 @@
             </p:sp>
           </mc:Fallback>
         </mc:AlternateContent>
+      </p:grpSp>
+      <p:grpSp>
+        <p:nvGrpSpPr>
+          <p:cNvPr id="11" name="Group 10">
+            <a:extLst>
+              <a:ext uri="{FF2B5EF4-FFF2-40B4-BE49-F238E27FC236}">
+                <a16:creationId xmlns:a16="http://schemas.microsoft.com/office/drawing/2014/main" id="{30B6EC70-CAA0-4405-AAA9-69B962D0D5DA}"/>
+              </a:ext>
+            </a:extLst>
+          </p:cNvPr>
+          <p:cNvGrpSpPr/>
+          <p:nvPr/>
+        </p:nvGrpSpPr>
+        <p:grpSpPr>
+          <a:xfrm>
+            <a:off x="21794524" y="9654993"/>
+            <a:ext cx="10511311" cy="4655810"/>
+            <a:chOff x="21541367" y="13835738"/>
+            <a:chExt cx="10511311" cy="4934807"/>
+          </a:xfrm>
+        </p:grpSpPr>
+        <p:grpSp>
+          <p:nvGrpSpPr>
+            <p:cNvPr id="56" name="Group 55">
+              <a:extLst>
+                <a:ext uri="{FF2B5EF4-FFF2-40B4-BE49-F238E27FC236}">
+                  <a16:creationId xmlns:a16="http://schemas.microsoft.com/office/drawing/2014/main" id="{5CCC1576-262C-4AE3-9B87-0721EB2D6AB4}"/>
+                </a:ext>
+              </a:extLst>
+            </p:cNvPr>
+            <p:cNvGrpSpPr/>
+            <p:nvPr/>
+          </p:nvGrpSpPr>
+          <p:grpSpPr>
+            <a:xfrm>
+              <a:off x="21541367" y="13835738"/>
+              <a:ext cx="10511311" cy="4934807"/>
+              <a:chOff x="536895" y="1115738"/>
+              <a:chExt cx="4647501" cy="1312859"/>
+            </a:xfrm>
+            <a:solidFill>
+              <a:schemeClr val="bg1"/>
+            </a:solidFill>
+          </p:grpSpPr>
+          <p:sp>
+            <p:nvSpPr>
+              <p:cNvPr id="57" name="Rectangle 56">
+                <a:extLst>
+                  <a:ext uri="{FF2B5EF4-FFF2-40B4-BE49-F238E27FC236}">
+                    <a16:creationId xmlns:a16="http://schemas.microsoft.com/office/drawing/2014/main" id="{B106EE3C-A6FC-487F-AF25-1432F96F5F44}"/>
+                  </a:ext>
+                </a:extLst>
+              </p:cNvPr>
+              <p:cNvSpPr/>
+              <p:nvPr/>
+            </p:nvSpPr>
+            <p:spPr>
+              <a:xfrm>
+                <a:off x="536895" y="1115738"/>
+                <a:ext cx="4647501" cy="1312859"/>
+              </a:xfrm>
+              <a:prstGeom prst="rect">
+                <a:avLst/>
+              </a:prstGeom>
+              <a:grpFill/>
+            </p:spPr>
+            <p:style>
+              <a:lnRef idx="1">
+                <a:schemeClr val="accent6"/>
+              </a:lnRef>
+              <a:fillRef idx="2">
+                <a:schemeClr val="accent6"/>
+              </a:fillRef>
+              <a:effectRef idx="1">
+                <a:schemeClr val="accent6"/>
+              </a:effectRef>
+              <a:fontRef idx="minor">
+                <a:schemeClr val="dk1"/>
+              </a:fontRef>
+            </p:style>
+            <p:txBody>
+              <a:bodyPr rtlCol="0" anchor="ctr"/>
+              <a:lstStyle/>
+              <a:p>
+                <a:pPr algn="ctr"/>
+                <a:endParaRPr lang="en-US" sz="2700"/>
+              </a:p>
+            </p:txBody>
+          </p:sp>
+          <p:sp>
+            <p:nvSpPr>
+              <p:cNvPr id="58" name="TextBox 57">
+                <a:extLst>
+                  <a:ext uri="{FF2B5EF4-FFF2-40B4-BE49-F238E27FC236}">
+                    <a16:creationId xmlns:a16="http://schemas.microsoft.com/office/drawing/2014/main" id="{2E42D285-EF15-4AD1-B42D-4EFEDA36B75D}"/>
+                  </a:ext>
+                </a:extLst>
+              </p:cNvPr>
+              <p:cNvSpPr txBox="1"/>
+              <p:nvPr/>
+            </p:nvSpPr>
+            <p:spPr>
+              <a:xfrm>
+                <a:off x="597881" y="1239737"/>
+                <a:ext cx="4457579" cy="679566"/>
+              </a:xfrm>
+              <a:prstGeom prst="rect">
+                <a:avLst/>
+              </a:prstGeom>
+              <a:grpFill/>
+            </p:spPr>
+            <p:txBody>
+              <a:bodyPr wrap="square" rtlCol="0">
+                <a:spAutoFit/>
+              </a:bodyPr>
+              <a:lstStyle/>
+              <a:p>
+                <a:pPr algn="ctr">
+                  <a:lnSpc>
+                    <a:spcPct val="107000"/>
+                  </a:lnSpc>
+                  <a:spcBef>
+                    <a:spcPts val="8748"/>
+                  </a:spcBef>
+                </a:pPr>
+                <a:r>
+                  <a:rPr lang="en-US" sz="2700" b="1" kern="0" dirty="0">
+                    <a:latin typeface="Times New Roman" panose="02020603050405020304" pitchFamily="18" charset="0"/>
+                    <a:ea typeface="Yu Gothic Light" panose="020B0300000000000000" pitchFamily="34" charset="-128"/>
+                    <a:cs typeface="Times New Roman" panose="02020603050405020304" pitchFamily="18" charset="0"/>
+                  </a:rPr>
+                  <a:t>Future Work</a:t>
+                </a:r>
+              </a:p>
+              <a:p>
+                <a:pPr marL="462915" indent="-462915">
+                  <a:lnSpc>
+                    <a:spcPct val="115000"/>
+                  </a:lnSpc>
+                  <a:buFontTx/>
+                  <a:buChar char="-"/>
+                </a:pPr>
+                <a:r>
+                  <a:rPr lang="en-US" sz="2700" dirty="0">
+                    <a:latin typeface="Times New Roman" panose="02020603050405020304" pitchFamily="18" charset="0"/>
+                    <a:cs typeface="Times New Roman" panose="02020603050405020304" pitchFamily="18" charset="0"/>
+                  </a:rPr>
+                  <a:t>Increase TACO images -&gt; higher accuracy</a:t>
+                </a:r>
+              </a:p>
+              <a:p>
+                <a:pPr marL="462915" indent="-462915">
+                  <a:lnSpc>
+                    <a:spcPct val="115000"/>
+                  </a:lnSpc>
+                  <a:buFontTx/>
+                  <a:buChar char="-"/>
+                </a:pPr>
+                <a:r>
+                  <a:rPr lang="en-US" sz="2700" dirty="0">
+                    <a:latin typeface="Times New Roman" panose="02020603050405020304" pitchFamily="18" charset="0"/>
+                    <a:cs typeface="Times New Roman" panose="02020603050405020304" pitchFamily="18" charset="0"/>
+                  </a:rPr>
+                  <a:t>Divert recycling out of landfills during the American River Parkway Cleanup </a:t>
+                </a:r>
+              </a:p>
+              <a:p>
+                <a:pPr marL="462915" indent="-462915">
+                  <a:lnSpc>
+                    <a:spcPct val="115000"/>
+                  </a:lnSpc>
+                  <a:buFontTx/>
+                  <a:buChar char="-"/>
+                </a:pPr>
+                <a:endParaRPr lang="en-US" sz="2700" dirty="0">
+                  <a:latin typeface="Times New Roman" panose="02020603050405020304" pitchFamily="18" charset="0"/>
+                  <a:cs typeface="Times New Roman" panose="02020603050405020304" pitchFamily="18" charset="0"/>
+                </a:endParaRPr>
+              </a:p>
+            </p:txBody>
+          </p:sp>
+        </p:grpSp>
+        <p:sp>
+          <p:nvSpPr>
+            <p:cNvPr id="53" name="TextBox 52">
+              <a:extLst>
+                <a:ext uri="{FF2B5EF4-FFF2-40B4-BE49-F238E27FC236}">
+                  <a16:creationId xmlns:a16="http://schemas.microsoft.com/office/drawing/2014/main" id="{3227955B-5474-4FE4-A50A-194F5B910FDD}"/>
+                </a:ext>
+              </a:extLst>
+            </p:cNvPr>
+            <p:cNvSpPr txBox="1"/>
+            <p:nvPr/>
+          </p:nvSpPr>
+          <p:spPr>
+            <a:xfrm>
+              <a:off x="21817231" y="16296883"/>
+              <a:ext cx="9943831" cy="2047914"/>
+            </a:xfrm>
+            <a:prstGeom prst="rect">
+              <a:avLst/>
+            </a:prstGeom>
+            <a:solidFill>
+              <a:schemeClr val="bg1"/>
+            </a:solidFill>
+            <a:ln>
+              <a:noFill/>
+            </a:ln>
+          </p:spPr>
+          <p:txBody>
+            <a:bodyPr wrap="square" rtlCol="0">
+              <a:spAutoFit/>
+            </a:bodyPr>
+            <a:lstStyle/>
+            <a:p>
+              <a:pPr algn="ctr">
+                <a:lnSpc>
+                  <a:spcPct val="107000"/>
+                </a:lnSpc>
+                <a:spcBef>
+                  <a:spcPts val="8748"/>
+                </a:spcBef>
+              </a:pPr>
+              <a:r>
+                <a:rPr lang="en-US" sz="2700" b="1" kern="0" dirty="0">
+                  <a:latin typeface="Times New Roman" panose="02020603050405020304" pitchFamily="18" charset="0"/>
+                  <a:ea typeface="Yu Gothic Light" panose="020B0300000000000000" pitchFamily="34" charset="-128"/>
+                  <a:cs typeface="Times New Roman" panose="02020603050405020304" pitchFamily="18" charset="0"/>
+                </a:rPr>
+                <a:t>Conclusion</a:t>
+              </a:r>
+            </a:p>
+            <a:p>
+              <a:pPr marL="462915" indent="-462915">
+                <a:lnSpc>
+                  <a:spcPct val="115000"/>
+                </a:lnSpc>
+                <a:buFontTx/>
+                <a:buChar char="-"/>
+              </a:pPr>
+              <a:r>
+                <a:rPr lang="en-US" sz="2700" dirty="0">
+                  <a:latin typeface="Times New Roman" panose="02020603050405020304" pitchFamily="18" charset="0"/>
+                  <a:cs typeface="Times New Roman" panose="02020603050405020304" pitchFamily="18" charset="0"/>
+                </a:rPr>
+                <a:t>For car mounted camera detection many more images are needed</a:t>
+              </a:r>
+            </a:p>
+            <a:p>
+              <a:pPr marL="462915" indent="-462915">
+                <a:lnSpc>
+                  <a:spcPct val="115000"/>
+                </a:lnSpc>
+                <a:buFontTx/>
+                <a:buChar char="-"/>
+              </a:pPr>
+              <a:r>
+                <a:rPr lang="en-US" sz="2700" dirty="0">
+                  <a:latin typeface="Times New Roman" panose="02020603050405020304" pitchFamily="18" charset="0"/>
+                  <a:cs typeface="Times New Roman" panose="02020603050405020304" pitchFamily="18" charset="0"/>
+                </a:rPr>
+                <a:t>Smart phone images can be used to estimate litter amounts</a:t>
+              </a:r>
+            </a:p>
+            <a:p>
+              <a:pPr marL="462915" indent="-462915">
+                <a:lnSpc>
+                  <a:spcPct val="115000"/>
+                </a:lnSpc>
+                <a:buFontTx/>
+                <a:buChar char="-"/>
+              </a:pPr>
+              <a:r>
+                <a:rPr lang="en-US" sz="2700" dirty="0">
+                  <a:latin typeface="Times New Roman" panose="02020603050405020304" pitchFamily="18" charset="0"/>
+                  <a:cs typeface="Times New Roman" panose="02020603050405020304" pitchFamily="18" charset="0"/>
+                </a:rPr>
+                <a:t>References available upon request from julianhernandez@csus.edu</a:t>
+              </a:r>
+            </a:p>
+          </p:txBody>
+        </p:sp>
       </p:grpSp>
       <p:pic>
         <p:nvPicPr>
@@ -5356,7 +5393,7 @@
         </p:blipFill>
         <p:spPr>
           <a:xfrm>
-            <a:off x="10512305" y="12346049"/>
+            <a:off x="10677330" y="16804532"/>
             <a:ext cx="2506936" cy="2558142"/>
           </a:xfrm>
           <a:prstGeom prst="rect">
@@ -5391,7 +5428,7 @@
         </p:blipFill>
         <p:spPr>
           <a:xfrm>
-            <a:off x="7041568" y="12408067"/>
+            <a:off x="8038283" y="16880070"/>
             <a:ext cx="1836090" cy="2434106"/>
           </a:xfrm>
           <a:prstGeom prst="rect">
@@ -5421,9 +5458,9 @@
           <p:nvPr/>
         </p:nvCxnSpPr>
         <p:spPr>
-          <a:xfrm>
-            <a:off x="8877658" y="13625120"/>
-            <a:ext cx="1634647" cy="0"/>
+          <a:xfrm flipV="1">
+            <a:off x="9874373" y="18083603"/>
+            <a:ext cx="802957" cy="13520"/>
           </a:xfrm>
           <a:prstGeom prst="straightConnector1">
             <a:avLst/>
@@ -5466,9 +5503,9 @@
           <p:nvPr/>
         </p:nvCxnSpPr>
         <p:spPr>
-          <a:xfrm flipV="1">
-            <a:off x="13019241" y="13017779"/>
-            <a:ext cx="1186710" cy="607341"/>
+          <a:xfrm>
+            <a:off x="13184266" y="18083603"/>
+            <a:ext cx="622897" cy="0"/>
           </a:xfrm>
           <a:prstGeom prst="straightConnector1">
             <a:avLst/>
@@ -5521,7 +5558,7 @@
         </p:blipFill>
         <p:spPr>
           <a:xfrm>
-            <a:off x="2091726" y="11187459"/>
+            <a:off x="3758612" y="15793125"/>
             <a:ext cx="3214473" cy="2173890"/>
           </a:xfrm>
           <a:prstGeom prst="rect">
@@ -5552,8 +5589,8 @@
         </p:nvCxnSpPr>
         <p:spPr>
           <a:xfrm>
-            <a:off x="5306199" y="12274404"/>
-            <a:ext cx="1735369" cy="1350716"/>
+            <a:off x="6973085" y="16880070"/>
+            <a:ext cx="1065198" cy="1217053"/>
           </a:xfrm>
           <a:prstGeom prst="straightConnector1">
             <a:avLst/>
@@ -5601,7 +5638,7 @@
         </p:blipFill>
         <p:spPr>
           <a:xfrm>
-            <a:off x="1990638" y="13931306"/>
+            <a:off x="3657524" y="18536972"/>
             <a:ext cx="3214475" cy="2191688"/>
           </a:xfrm>
           <a:prstGeom prst="rect">
@@ -5632,8 +5669,8 @@
         </p:nvCxnSpPr>
         <p:spPr>
           <a:xfrm flipV="1">
-            <a:off x="5205113" y="13625120"/>
-            <a:ext cx="1836455" cy="1402030"/>
+            <a:off x="6871999" y="18097123"/>
+            <a:ext cx="1166284" cy="1535693"/>
           </a:xfrm>
           <a:prstGeom prst="straightConnector1">
             <a:avLst/>
@@ -5673,7 +5710,7 @@
         </p:nvGrpSpPr>
         <p:grpSpPr>
           <a:xfrm>
-            <a:off x="14205951" y="10108042"/>
+            <a:off x="13807163" y="15173866"/>
             <a:ext cx="6444036" cy="5819473"/>
             <a:chOff x="15802203" y="10972800"/>
             <a:chExt cx="4878259" cy="4974827"/>
@@ -5761,145 +5798,41 @@
           </p:spPr>
         </p:pic>
       </p:grpSp>
-      <p:grpSp>
-        <p:nvGrpSpPr>
-          <p:cNvPr id="66" name="Group 65">
+      <p:pic>
+        <p:nvPicPr>
+          <p:cNvPr id="13" name="Picture 12">
             <a:extLst>
               <a:ext uri="{FF2B5EF4-FFF2-40B4-BE49-F238E27FC236}">
-                <a16:creationId xmlns:a16="http://schemas.microsoft.com/office/drawing/2014/main" id="{A54D6904-55FB-4887-B05B-D3205108F76F}"/>
+                <a16:creationId xmlns:a16="http://schemas.microsoft.com/office/drawing/2014/main" id="{CF0313E2-D105-445B-A93C-B1B91EBF3E95}"/>
               </a:ext>
             </a:extLst>
           </p:cNvPr>
-          <p:cNvGrpSpPr/>
+          <p:cNvPicPr>
+            <a:picLocks noChangeAspect="1"/>
+          </p:cNvPicPr>
           <p:nvPr/>
-        </p:nvGrpSpPr>
-        <p:grpSpPr>
+        </p:nvPicPr>
+        <p:blipFill>
+          <a:blip r:embed="rId11"/>
+          <a:stretch>
+            <a:fillRect/>
+          </a:stretch>
+        </p:blipFill>
+        <p:spPr>
           <a:xfrm>
-            <a:off x="21701120" y="5120463"/>
-            <a:ext cx="10191803" cy="2322808"/>
-            <a:chOff x="21701120" y="5120463"/>
-            <a:chExt cx="10191803" cy="2322808"/>
+            <a:off x="22720276" y="15313528"/>
+            <a:ext cx="7159088" cy="5810469"/>
           </a:xfrm>
-        </p:grpSpPr>
-        <p:sp>
-          <p:nvSpPr>
-            <p:cNvPr id="59" name="Rectangle 58">
-              <a:extLst>
-                <a:ext uri="{FF2B5EF4-FFF2-40B4-BE49-F238E27FC236}">
-                  <a16:creationId xmlns:a16="http://schemas.microsoft.com/office/drawing/2014/main" id="{BBF440CC-8CCA-4A4D-BD2A-008992DE79B8}"/>
-                </a:ext>
-              </a:extLst>
-            </p:cNvPr>
-            <p:cNvSpPr/>
-            <p:nvPr/>
-          </p:nvSpPr>
-          <p:spPr>
-            <a:xfrm>
-              <a:off x="21701120" y="5120463"/>
-              <a:ext cx="10191803" cy="2322808"/>
-            </a:xfrm>
-            <a:prstGeom prst="rect">
-              <a:avLst/>
-            </a:prstGeom>
+          <a:prstGeom prst="rect">
+            <a:avLst/>
+          </a:prstGeom>
+          <a:ln w="28575">
             <a:solidFill>
-              <a:schemeClr val="bg1"/>
+              <a:schemeClr val="accent6"/>
             </a:solidFill>
-          </p:spPr>
-          <p:style>
-            <a:lnRef idx="1">
-              <a:schemeClr val="accent6"/>
-            </a:lnRef>
-            <a:fillRef idx="2">
-              <a:schemeClr val="accent6"/>
-            </a:fillRef>
-            <a:effectRef idx="1">
-              <a:schemeClr val="accent6"/>
-            </a:effectRef>
-            <a:fontRef idx="minor">
-              <a:schemeClr val="dk1"/>
-            </a:fontRef>
-          </p:style>
-          <p:txBody>
-            <a:bodyPr rtlCol="0" anchor="ctr"/>
-            <a:lstStyle/>
-            <a:p>
-              <a:pPr algn="ctr">
-                <a:lnSpc>
-                  <a:spcPct val="107000"/>
-                </a:lnSpc>
-                <a:spcBef>
-                  <a:spcPts val="8748"/>
-                </a:spcBef>
-              </a:pPr>
-              <a:endParaRPr lang="en-US" sz="2700" dirty="0"/>
-            </a:p>
-          </p:txBody>
-        </p:sp>
-        <p:sp>
-          <p:nvSpPr>
-            <p:cNvPr id="74" name="TextBox 73">
-              <a:extLst>
-                <a:ext uri="{FF2B5EF4-FFF2-40B4-BE49-F238E27FC236}">
-                  <a16:creationId xmlns:a16="http://schemas.microsoft.com/office/drawing/2014/main" id="{A1835A64-4D39-4A3E-9C06-E541FFF86559}"/>
-                </a:ext>
-              </a:extLst>
-            </p:cNvPr>
-            <p:cNvSpPr txBox="1"/>
-            <p:nvPr/>
-          </p:nvSpPr>
-          <p:spPr>
-            <a:xfrm>
-              <a:off x="22249662" y="5566637"/>
-              <a:ext cx="9330150" cy="1462323"/>
-            </a:xfrm>
-            <a:prstGeom prst="rect">
-              <a:avLst/>
-            </a:prstGeom>
-            <a:solidFill>
-              <a:schemeClr val="bg1"/>
-            </a:solidFill>
-          </p:spPr>
-          <p:txBody>
-            <a:bodyPr wrap="square" rtlCol="0">
-              <a:spAutoFit/>
-            </a:bodyPr>
-            <a:lstStyle/>
-            <a:p>
-              <a:pPr algn="ctr">
-                <a:lnSpc>
-                  <a:spcPct val="107000"/>
-                </a:lnSpc>
-                <a:spcBef>
-                  <a:spcPts val="8748"/>
-                </a:spcBef>
-              </a:pPr>
-              <a:r>
-                <a:rPr lang="en-US" sz="2700" b="1" kern="0" dirty="0">
-                  <a:latin typeface="Times New Roman" panose="02020603050405020304" pitchFamily="18" charset="0"/>
-                  <a:ea typeface="Yu Gothic Light" panose="020B0300000000000000" pitchFamily="34" charset="-128"/>
-                  <a:cs typeface="Times New Roman" panose="02020603050405020304" pitchFamily="18" charset="0"/>
-                </a:rPr>
-                <a:t>Research Question</a:t>
-              </a:r>
-            </a:p>
-            <a:p>
-              <a:pPr algn="ctr">
-                <a:lnSpc>
-                  <a:spcPct val="115000"/>
-                </a:lnSpc>
-              </a:pPr>
-              <a:r>
-                <a:rPr lang="en-US" sz="2700" dirty="0">
-                  <a:latin typeface="Times New Roman" panose="02020603050405020304" pitchFamily="18" charset="0"/>
-                  <a:cs typeface="Arial" panose="020B0604020202020204" pitchFamily="34" charset="0"/>
-                </a:rPr>
-                <a:t>Can computer vision help identify new areas that need to be cleanup and measure how much waste is removed?</a:t>
-              </a:r>
-              <a:endParaRPr lang="en-US" sz="2700" dirty="0"/>
-            </a:p>
-          </p:txBody>
-        </p:sp>
-      </p:grpSp>
+          </a:ln>
+        </p:spPr>
+      </p:pic>
     </p:spTree>
     <p:extLst>
       <p:ext uri="{BB962C8B-B14F-4D97-AF65-F5344CB8AC3E}">
@@ -6521,15 +6454,6 @@
 </file>
 
 <file path=customXml/item1.xml><?xml version="1.0" encoding="utf-8"?>
-<?mso-contentType ?>
-<FormTemplates xmlns="http://schemas.microsoft.com/sharepoint/v3/contenttype/forms">
-  <Display>DocumentLibraryForm</Display>
-  <Edit>DocumentLibraryForm</Edit>
-  <New>DocumentLibraryForm</New>
-</FormTemplates>
-</file>
-
-<file path=customXml/item2.xml><?xml version="1.0" encoding="utf-8"?>
 <ct:contentTypeSchema xmlns:ct="http://schemas.microsoft.com/office/2006/metadata/contentType" xmlns:ma="http://schemas.microsoft.com/office/2006/metadata/properties/metaAttributes" ct:_="" ma:_="" ma:contentTypeName="Document" ma:contentTypeID="0x010100709246F82CEDA941B257A5C78009C659" ma:contentTypeVersion="14" ma:contentTypeDescription="Create a new document." ma:contentTypeScope="" ma:versionID="6964c97c6173b14f2c263f8ff40dcebf">
   <xsd:schema xmlns:xsd="http://www.w3.org/2001/XMLSchema" xmlns:xs="http://www.w3.org/2001/XMLSchema" xmlns:p="http://schemas.microsoft.com/office/2006/metadata/properties" xmlns:ns3="68e16128-2d43-4d02-a145-7bc313a3ea0a" xmlns:ns4="08b95f59-1d97-4b39-af7d-e6b2163714fb" targetNamespace="http://schemas.microsoft.com/office/2006/metadata/properties" ma:root="true" ma:fieldsID="3284c8aeba79bf85ea24aed0ddb9a1b2" ns3:_="" ns4:_="">
     <xsd:import namespace="68e16128-2d43-4d02-a145-7bc313a3ea0a"/>
@@ -6758,6 +6682,15 @@
 </ct:contentTypeSchema>
 </file>
 
+<file path=customXml/item2.xml><?xml version="1.0" encoding="utf-8"?>
+<?mso-contentType ?>
+<FormTemplates xmlns="http://schemas.microsoft.com/sharepoint/v3/contenttype/forms">
+  <Display>DocumentLibraryForm</Display>
+  <Edit>DocumentLibraryForm</Edit>
+  <New>DocumentLibraryForm</New>
+</FormTemplates>
+</file>
+
 <file path=customXml/item3.xml><?xml version="1.0" encoding="utf-8"?>
 <p:properties xmlns:p="http://schemas.microsoft.com/office/2006/metadata/properties" xmlns:xsi="http://www.w3.org/2001/XMLSchema-instance" xmlns:pc="http://schemas.microsoft.com/office/infopath/2007/PartnerControls">
   <documentManagement/>
@@ -6765,14 +6698,6 @@
 </file>
 
 <file path=customXml/itemProps1.xml><?xml version="1.0" encoding="utf-8"?>
-<ds:datastoreItem xmlns:ds="http://schemas.openxmlformats.org/officeDocument/2006/customXml" ds:itemID="{6DCC604C-21AA-439D-A620-BFA41A44A26F}">
-  <ds:schemaRefs>
-    <ds:schemaRef ds:uri="http://schemas.microsoft.com/sharepoint/v3/contenttype/forms"/>
-  </ds:schemaRefs>
-</ds:datastoreItem>
-</file>
-
-<file path=customXml/itemProps2.xml><?xml version="1.0" encoding="utf-8"?>
 <ds:datastoreItem xmlns:ds="http://schemas.openxmlformats.org/officeDocument/2006/customXml" ds:itemID="{A74EAF17-6DDE-4CA8-9F44-D92B800FE29D}">
   <ds:schemaRefs>
     <ds:schemaRef ds:uri="http://schemas.microsoft.com/office/2006/metadata/contentType"/>
@@ -6787,6 +6712,14 @@
     <ds:schemaRef ds:uri="http://purl.org/dc/elements/1.1/"/>
     <ds:schemaRef ds:uri="http://purl.org/dc/terms/"/>
     <ds:schemaRef ds:uri="http://schemas.microsoft.com/internal/obd"/>
+  </ds:schemaRefs>
+</ds:datastoreItem>
+</file>
+
+<file path=customXml/itemProps2.xml><?xml version="1.0" encoding="utf-8"?>
+<ds:datastoreItem xmlns:ds="http://schemas.openxmlformats.org/officeDocument/2006/customXml" ds:itemID="{6DCC604C-21AA-439D-A620-BFA41A44A26F}">
+  <ds:schemaRefs>
+    <ds:schemaRef ds:uri="http://schemas.microsoft.com/sharepoint/v3/contenttype/forms"/>
   </ds:schemaRefs>
 </ds:datastoreItem>
 </file>
